--- a/asset/Learn_ja/ITA-base_classroom lecture_ja.pptx
+++ b/asset/Learn_ja/ITA-base_classroom lecture_ja.pptx
@@ -336,7 +336,7 @@
               <a:rPr kumimoji="1" lang="ja-JP" altLang="en-US" smtClean="0">
                 <a:ea typeface="メイリオ" panose="020B0604030504040204" pitchFamily="50" charset="-128"/>
               </a:rPr>
-              <a:t>2019/7/22</a:t>
+              <a:t>2020/3/10</a:t>
             </a:fld>
             <a:endParaRPr kumimoji="1" lang="ja-JP" altLang="en-US" dirty="0">
               <a:ea typeface="メイリオ" panose="020B0604030504040204" pitchFamily="50" charset="-128"/>
@@ -482,7 +482,7 @@
             <a:fld id="{4B26993D-C081-44EB-B0F5-A9F467792B62}" type="datetimeFigureOut">
               <a:rPr lang="ja-JP" altLang="en-US" smtClean="0"/>
               <a:pPr/>
-              <a:t>2019/7/22</a:t>
+              <a:t>2020/3/10</a:t>
             </a:fld>
             <a:endParaRPr lang="ja-JP" altLang="en-US" dirty="0"/>
           </a:p>
@@ -2680,7 +2680,7 @@
           <a:p>
             <a:fld id="{56F9016B-CCA6-43BE-8BEE-59565A35F4F7}" type="datetimeFigureOut">
               <a:rPr kumimoji="1" lang="ja-JP" altLang="en-US" smtClean="0"/>
-              <a:t>2019/7/22</a:t>
+              <a:t>2020/3/10</a:t>
             </a:fld>
             <a:endParaRPr kumimoji="1" lang="ja-JP" altLang="en-US"/>
           </a:p>
@@ -2882,7 +2882,7 @@
           <a:p>
             <a:fld id="{56F9016B-CCA6-43BE-8BEE-59565A35F4F7}" type="datetimeFigureOut">
               <a:rPr kumimoji="1" lang="ja-JP" altLang="en-US" smtClean="0"/>
-              <a:t>2019/7/22</a:t>
+              <a:t>2020/3/10</a:t>
             </a:fld>
             <a:endParaRPr kumimoji="1" lang="ja-JP" altLang="en-US"/>
           </a:p>
@@ -3128,7 +3128,7 @@
           <a:p>
             <a:fld id="{56F9016B-CCA6-43BE-8BEE-59565A35F4F7}" type="datetimeFigureOut">
               <a:rPr kumimoji="1" lang="ja-JP" altLang="en-US" smtClean="0"/>
-              <a:t>2019/7/22</a:t>
+              <a:t>2020/3/10</a:t>
             </a:fld>
             <a:endParaRPr kumimoji="1" lang="ja-JP" altLang="en-US"/>
           </a:p>
@@ -3424,7 +3424,7 @@
           <a:p>
             <a:fld id="{56F9016B-CCA6-43BE-8BEE-59565A35F4F7}" type="datetimeFigureOut">
               <a:rPr kumimoji="1" lang="ja-JP" altLang="en-US" smtClean="0"/>
-              <a:t>2019/7/22</a:t>
+              <a:t>2020/3/10</a:t>
             </a:fld>
             <a:endParaRPr kumimoji="1" lang="ja-JP" altLang="en-US"/>
           </a:p>
@@ -3855,7 +3855,7 @@
           <a:p>
             <a:fld id="{56F9016B-CCA6-43BE-8BEE-59565A35F4F7}" type="datetimeFigureOut">
               <a:rPr kumimoji="1" lang="ja-JP" altLang="en-US" smtClean="0"/>
-              <a:t>2019/7/22</a:t>
+              <a:t>2020/3/10</a:t>
             </a:fld>
             <a:endParaRPr kumimoji="1" lang="ja-JP" altLang="en-US"/>
           </a:p>
@@ -3973,7 +3973,7 @@
           <a:p>
             <a:fld id="{56F9016B-CCA6-43BE-8BEE-59565A35F4F7}" type="datetimeFigureOut">
               <a:rPr kumimoji="1" lang="ja-JP" altLang="en-US" smtClean="0"/>
-              <a:t>2019/7/22</a:t>
+              <a:t>2020/3/10</a:t>
             </a:fld>
             <a:endParaRPr kumimoji="1" lang="ja-JP" altLang="en-US"/>
           </a:p>
@@ -4068,7 +4068,7 @@
           <a:p>
             <a:fld id="{56F9016B-CCA6-43BE-8BEE-59565A35F4F7}" type="datetimeFigureOut">
               <a:rPr kumimoji="1" lang="ja-JP" altLang="en-US" smtClean="0"/>
-              <a:t>2019/7/22</a:t>
+              <a:t>2020/3/10</a:t>
             </a:fld>
             <a:endParaRPr kumimoji="1" lang="ja-JP" altLang="en-US"/>
           </a:p>
@@ -4377,7 +4377,7 @@
           <a:p>
             <a:fld id="{56F9016B-CCA6-43BE-8BEE-59565A35F4F7}" type="datetimeFigureOut">
               <a:rPr kumimoji="1" lang="ja-JP" altLang="en-US" smtClean="0"/>
-              <a:t>2019/7/22</a:t>
+              <a:t>2020/3/10</a:t>
             </a:fld>
             <a:endParaRPr kumimoji="1" lang="ja-JP" altLang="en-US"/>
           </a:p>
@@ -4630,7 +4630,7 @@
           <a:p>
             <a:fld id="{56F9016B-CCA6-43BE-8BEE-59565A35F4F7}" type="datetimeFigureOut">
               <a:rPr kumimoji="1" lang="ja-JP" altLang="en-US" smtClean="0"/>
-              <a:t>2019/7/22</a:t>
+              <a:t>2020/3/10</a:t>
             </a:fld>
             <a:endParaRPr kumimoji="1" lang="ja-JP" altLang="en-US"/>
           </a:p>
@@ -4907,7 +4907,7 @@
           <a:p>
             <a:fld id="{56F9016B-CCA6-43BE-8BEE-59565A35F4F7}" type="datetimeFigureOut">
               <a:rPr kumimoji="1" lang="ja-JP" altLang="en-US" smtClean="0"/>
-              <a:t>2019/7/22</a:t>
+              <a:t>2020/3/10</a:t>
             </a:fld>
             <a:endParaRPr kumimoji="1" lang="ja-JP" altLang="en-US"/>
           </a:p>
@@ -5119,7 +5119,7 @@
           <a:p>
             <a:fld id="{56F9016B-CCA6-43BE-8BEE-59565A35F4F7}" type="datetimeFigureOut">
               <a:rPr kumimoji="1" lang="ja-JP" altLang="en-US" smtClean="0"/>
-              <a:t>2019/7/22</a:t>
+              <a:t>2020/3/10</a:t>
             </a:fld>
             <a:endParaRPr kumimoji="1" lang="ja-JP" altLang="en-US"/>
           </a:p>
@@ -8178,7 +8178,7 @@
           <a:p>
             <a:fld id="{56F9016B-CCA6-43BE-8BEE-59565A35F4F7}" type="datetimeFigureOut">
               <a:rPr kumimoji="1" lang="ja-JP" altLang="en-US" smtClean="0"/>
-              <a:t>2019/7/22</a:t>
+              <a:t>2020/3/10</a:t>
             </a:fld>
             <a:endParaRPr kumimoji="1" lang="ja-JP" altLang="en-US"/>
           </a:p>
@@ -8616,7 +8616,7 @@
             </a:r>
             <a:r>
               <a:rPr lang="en-US" altLang="ja-JP" dirty="0" smtClean="0"/>
-              <a:t>1.1</a:t>
+              <a:t>1.2</a:t>
             </a:r>
             <a:r>
               <a:rPr lang="ja-JP" altLang="en-US" dirty="0" smtClean="0"/>
@@ -26081,14 +26081,20 @@
               <a:t>オペレーション</a:t>
             </a:r>
             <a:r>
-              <a:rPr lang="en-US" altLang="ja-JP" sz="1200" b="1" dirty="0" smtClean="0">
+              <a:rPr lang="en-US" altLang="ja-JP" sz="1200" b="1" dirty="0">
                 <a:solidFill>
                   <a:srgbClr val="002060"/>
                 </a:solidFill>
                 <a:latin typeface="+mn-ea"/>
               </a:rPr>
-              <a:t>B</a:t>
-            </a:r>
+              <a:t>Y</a:t>
+            </a:r>
+            <a:endParaRPr lang="en-US" altLang="ja-JP" sz="1200" b="1" dirty="0" smtClean="0">
+              <a:solidFill>
+                <a:srgbClr val="002060"/>
+              </a:solidFill>
+              <a:latin typeface="+mn-ea"/>
+            </a:endParaRPr>
           </a:p>
         </p:txBody>
       </p:sp>
@@ -26138,7 +26144,7 @@
                 </a:solidFill>
                 <a:latin typeface="+mn-ea"/>
               </a:rPr>
-              <a:t>A</a:t>
+              <a:t>X</a:t>
             </a:r>
             <a:endParaRPr lang="en-US" altLang="ja-JP" sz="1200" b="1" dirty="0" smtClean="0">
               <a:solidFill>
@@ -27065,7 +27071,7 @@
                   <a:schemeClr val="bg1"/>
                 </a:solidFill>
               </a:rPr>
-              <a:t>MovementA</a:t>
+              <a:t>Movement1</a:t>
             </a:r>
             <a:endParaRPr kumimoji="1" lang="ja-JP" altLang="en-US" sz="1100" dirty="0" smtClean="0">
               <a:solidFill>
@@ -30371,7 +30377,15 @@
           <a:p>
             <a:pPr algn="ctr"/>
             <a:r>
-              <a:rPr lang="en-US" altLang="ja-JP" sz="1400" b="1" dirty="0">
+              <a:rPr lang="ja-JP" altLang="en-US" sz="1400" b="1" dirty="0" smtClean="0">
+                <a:solidFill>
+                  <a:srgbClr val="FFFFFF"/>
+                </a:solidFill>
+              </a:rPr>
+              <a:t>対象機器</a:t>
+            </a:r>
+            <a:r>
+              <a:rPr lang="en-US" altLang="ja-JP" sz="1400" b="1" dirty="0" smtClean="0">
                 <a:solidFill>
                   <a:srgbClr val="FFFFFF"/>
                 </a:solidFill>
@@ -30458,7 +30472,23 @@
           <a:p>
             <a:pPr algn="ctr"/>
             <a:r>
-              <a:rPr lang="en-US" altLang="ja-JP" sz="1400" b="1" dirty="0">
+              <a:rPr lang="ja-JP" altLang="en-US" sz="1400" b="1" dirty="0" smtClean="0">
+                <a:solidFill>
+                  <a:srgbClr val="FFFFFF"/>
+                </a:solidFill>
+              </a:rPr>
+              <a:t>対象機器</a:t>
+            </a:r>
+            <a:endParaRPr lang="en-US" altLang="ja-JP" sz="1400" b="1" dirty="0" smtClean="0">
+              <a:solidFill>
+                <a:srgbClr val="FFFFFF"/>
+              </a:solidFill>
+            </a:endParaRPr>
+          </a:p>
+          <a:p>
+            <a:pPr algn="ctr"/>
+            <a:r>
+              <a:rPr lang="en-US" altLang="ja-JP" sz="1400" b="1" dirty="0" smtClean="0">
                 <a:solidFill>
                   <a:srgbClr val="FFFFFF"/>
                 </a:solidFill>
@@ -30630,7 +30660,7 @@
                   <a:schemeClr val="bg1"/>
                 </a:solidFill>
               </a:rPr>
-              <a:t>MovementB</a:t>
+              <a:t>Movement2</a:t>
             </a:r>
             <a:endParaRPr kumimoji="1" lang="ja-JP" altLang="en-US" sz="1100" dirty="0" smtClean="0">
               <a:solidFill>

--- a/asset/Learn_ja/ITA-base_classroom lecture_ja.pptx
+++ b/asset/Learn_ja/ITA-base_classroom lecture_ja.pptx
@@ -336,7 +336,7 @@
               <a:rPr kumimoji="1" lang="ja-JP" altLang="en-US" smtClean="0">
                 <a:ea typeface="メイリオ" panose="020B0604030504040204" pitchFamily="50" charset="-128"/>
               </a:rPr>
-              <a:t>2020/3/10</a:t>
+              <a:t>2021/3/2</a:t>
             </a:fld>
             <a:endParaRPr kumimoji="1" lang="ja-JP" altLang="en-US" dirty="0">
               <a:ea typeface="メイリオ" panose="020B0604030504040204" pitchFamily="50" charset="-128"/>
@@ -482,7 +482,7 @@
             <a:fld id="{4B26993D-C081-44EB-B0F5-A9F467792B62}" type="datetimeFigureOut">
               <a:rPr lang="ja-JP" altLang="en-US" smtClean="0"/>
               <a:pPr/>
-              <a:t>2020/3/10</a:t>
+              <a:t>2021/3/2</a:t>
             </a:fld>
             <a:endParaRPr lang="ja-JP" altLang="en-US" dirty="0"/>
           </a:p>
@@ -2680,7 +2680,7 @@
           <a:p>
             <a:fld id="{56F9016B-CCA6-43BE-8BEE-59565A35F4F7}" type="datetimeFigureOut">
               <a:rPr kumimoji="1" lang="ja-JP" altLang="en-US" smtClean="0"/>
-              <a:t>2020/3/10</a:t>
+              <a:t>2021/3/2</a:t>
             </a:fld>
             <a:endParaRPr kumimoji="1" lang="ja-JP" altLang="en-US"/>
           </a:p>
@@ -2882,7 +2882,7 @@
           <a:p>
             <a:fld id="{56F9016B-CCA6-43BE-8BEE-59565A35F4F7}" type="datetimeFigureOut">
               <a:rPr kumimoji="1" lang="ja-JP" altLang="en-US" smtClean="0"/>
-              <a:t>2020/3/10</a:t>
+              <a:t>2021/3/2</a:t>
             </a:fld>
             <a:endParaRPr kumimoji="1" lang="ja-JP" altLang="en-US"/>
           </a:p>
@@ -3128,7 +3128,7 @@
           <a:p>
             <a:fld id="{56F9016B-CCA6-43BE-8BEE-59565A35F4F7}" type="datetimeFigureOut">
               <a:rPr kumimoji="1" lang="ja-JP" altLang="en-US" smtClean="0"/>
-              <a:t>2020/3/10</a:t>
+              <a:t>2021/3/2</a:t>
             </a:fld>
             <a:endParaRPr kumimoji="1" lang="ja-JP" altLang="en-US"/>
           </a:p>
@@ -3424,7 +3424,7 @@
           <a:p>
             <a:fld id="{56F9016B-CCA6-43BE-8BEE-59565A35F4F7}" type="datetimeFigureOut">
               <a:rPr kumimoji="1" lang="ja-JP" altLang="en-US" smtClean="0"/>
-              <a:t>2020/3/10</a:t>
+              <a:t>2021/3/2</a:t>
             </a:fld>
             <a:endParaRPr kumimoji="1" lang="ja-JP" altLang="en-US"/>
           </a:p>
@@ -3855,7 +3855,7 @@
           <a:p>
             <a:fld id="{56F9016B-CCA6-43BE-8BEE-59565A35F4F7}" type="datetimeFigureOut">
               <a:rPr kumimoji="1" lang="ja-JP" altLang="en-US" smtClean="0"/>
-              <a:t>2020/3/10</a:t>
+              <a:t>2021/3/2</a:t>
             </a:fld>
             <a:endParaRPr kumimoji="1" lang="ja-JP" altLang="en-US"/>
           </a:p>
@@ -3973,7 +3973,7 @@
           <a:p>
             <a:fld id="{56F9016B-CCA6-43BE-8BEE-59565A35F4F7}" type="datetimeFigureOut">
               <a:rPr kumimoji="1" lang="ja-JP" altLang="en-US" smtClean="0"/>
-              <a:t>2020/3/10</a:t>
+              <a:t>2021/3/2</a:t>
             </a:fld>
             <a:endParaRPr kumimoji="1" lang="ja-JP" altLang="en-US"/>
           </a:p>
@@ -4068,7 +4068,7 @@
           <a:p>
             <a:fld id="{56F9016B-CCA6-43BE-8BEE-59565A35F4F7}" type="datetimeFigureOut">
               <a:rPr kumimoji="1" lang="ja-JP" altLang="en-US" smtClean="0"/>
-              <a:t>2020/3/10</a:t>
+              <a:t>2021/3/2</a:t>
             </a:fld>
             <a:endParaRPr kumimoji="1" lang="ja-JP" altLang="en-US"/>
           </a:p>
@@ -4377,7 +4377,7 @@
           <a:p>
             <a:fld id="{56F9016B-CCA6-43BE-8BEE-59565A35F4F7}" type="datetimeFigureOut">
               <a:rPr kumimoji="1" lang="ja-JP" altLang="en-US" smtClean="0"/>
-              <a:t>2020/3/10</a:t>
+              <a:t>2021/3/2</a:t>
             </a:fld>
             <a:endParaRPr kumimoji="1" lang="ja-JP" altLang="en-US"/>
           </a:p>
@@ -4630,7 +4630,7 @@
           <a:p>
             <a:fld id="{56F9016B-CCA6-43BE-8BEE-59565A35F4F7}" type="datetimeFigureOut">
               <a:rPr kumimoji="1" lang="ja-JP" altLang="en-US" smtClean="0"/>
-              <a:t>2020/3/10</a:t>
+              <a:t>2021/3/2</a:t>
             </a:fld>
             <a:endParaRPr kumimoji="1" lang="ja-JP" altLang="en-US"/>
           </a:p>
@@ -4907,7 +4907,7 @@
           <a:p>
             <a:fld id="{56F9016B-CCA6-43BE-8BEE-59565A35F4F7}" type="datetimeFigureOut">
               <a:rPr kumimoji="1" lang="ja-JP" altLang="en-US" smtClean="0"/>
-              <a:t>2020/3/10</a:t>
+              <a:t>2021/3/2</a:t>
             </a:fld>
             <a:endParaRPr kumimoji="1" lang="ja-JP" altLang="en-US"/>
           </a:p>
@@ -5119,7 +5119,7 @@
           <a:p>
             <a:fld id="{56F9016B-CCA6-43BE-8BEE-59565A35F4F7}" type="datetimeFigureOut">
               <a:rPr kumimoji="1" lang="ja-JP" altLang="en-US" smtClean="0"/>
-              <a:t>2020/3/10</a:t>
+              <a:t>2021/3/2</a:t>
             </a:fld>
             <a:endParaRPr kumimoji="1" lang="ja-JP" altLang="en-US"/>
           </a:p>
@@ -8178,7 +8178,7 @@
           <a:p>
             <a:fld id="{56F9016B-CCA6-43BE-8BEE-59565A35F4F7}" type="datetimeFigureOut">
               <a:rPr kumimoji="1" lang="ja-JP" altLang="en-US" smtClean="0"/>
-              <a:t>2020/3/10</a:t>
+              <a:t>2021/3/2</a:t>
             </a:fld>
             <a:endParaRPr kumimoji="1" lang="ja-JP" altLang="en-US"/>
           </a:p>
@@ -35474,28 +35474,22 @@
       </p:grpSpPr>
       <p:pic>
         <p:nvPicPr>
-          <p:cNvPr id="3" name="図 2"/>
+          <p:cNvPr id="4" name="図 3"/>
           <p:cNvPicPr>
             <a:picLocks noChangeAspect="1"/>
           </p:cNvPicPr>
           <p:nvPr/>
         </p:nvPicPr>
         <p:blipFill>
-          <a:blip r:embed="rId3">
-            <a:extLst>
-              <a:ext uri="{28A0092B-C50C-407E-A947-70E740481C1C}">
-                <a14:useLocalDpi xmlns:a14="http://schemas.microsoft.com/office/drawing/2010/main" val="0"/>
-              </a:ext>
-            </a:extLst>
-          </a:blip>
+          <a:blip r:embed="rId3"/>
           <a:stretch>
             <a:fillRect/>
           </a:stretch>
         </p:blipFill>
         <p:spPr>
           <a:xfrm>
-            <a:off x="1229227" y="2990400"/>
-            <a:ext cx="6679546" cy="3057442"/>
+            <a:off x="1244725" y="2997445"/>
+            <a:ext cx="6675699" cy="3054361"/>
           </a:xfrm>
           <a:prstGeom prst="rect">
             <a:avLst/>
@@ -36998,6 +36992,30 @@
           <a:chExt cx="0" cy="0"/>
         </a:xfrm>
       </p:grpSpPr>
+      <p:pic>
+        <p:nvPicPr>
+          <p:cNvPr id="3" name="図 2"/>
+          <p:cNvPicPr>
+            <a:picLocks noChangeAspect="1"/>
+          </p:cNvPicPr>
+          <p:nvPr/>
+        </p:nvPicPr>
+        <p:blipFill>
+          <a:blip r:embed="rId3"/>
+          <a:stretch>
+            <a:fillRect/>
+          </a:stretch>
+        </p:blipFill>
+        <p:spPr>
+          <a:xfrm>
+            <a:off x="1258798" y="3002534"/>
+            <a:ext cx="5779509" cy="2914141"/>
+          </a:xfrm>
+          <a:prstGeom prst="rect">
+            <a:avLst/>
+          </a:prstGeom>
+        </p:spPr>
+      </p:pic>
       <p:sp>
         <p:nvSpPr>
           <p:cNvPr id="2" name="タイトル 1"/>
@@ -37161,36 +37179,6 @@
           </a:p>
         </p:txBody>
       </p:sp>
-      <p:pic>
-        <p:nvPicPr>
-          <p:cNvPr id="4" name="図 3"/>
-          <p:cNvPicPr>
-            <a:picLocks noChangeAspect="1"/>
-          </p:cNvPicPr>
-          <p:nvPr/>
-        </p:nvPicPr>
-        <p:blipFill>
-          <a:blip r:embed="rId3">
-            <a:extLst>
-              <a:ext uri="{28A0092B-C50C-407E-A947-70E740481C1C}">
-                <a14:useLocalDpi xmlns:a14="http://schemas.microsoft.com/office/drawing/2010/main" val="0"/>
-              </a:ext>
-            </a:extLst>
-          </a:blip>
-          <a:stretch>
-            <a:fillRect/>
-          </a:stretch>
-        </p:blipFill>
-        <p:spPr>
-          <a:xfrm>
-            <a:off x="1259540" y="3006310"/>
-            <a:ext cx="5780291" cy="2914954"/>
-          </a:xfrm>
-          <a:prstGeom prst="rect">
-            <a:avLst/>
-          </a:prstGeom>
-        </p:spPr>
-      </p:pic>
       <p:sp>
         <p:nvSpPr>
           <p:cNvPr id="11" name="角丸四角形 10"/>
@@ -43872,28 +43860,22 @@
       </p:grpSpPr>
       <p:pic>
         <p:nvPicPr>
-          <p:cNvPr id="20" name="図 19"/>
+          <p:cNvPr id="4" name="図 3"/>
           <p:cNvPicPr>
             <a:picLocks noChangeAspect="1"/>
           </p:cNvPicPr>
           <p:nvPr/>
         </p:nvPicPr>
         <p:blipFill>
-          <a:blip r:embed="rId3">
-            <a:extLst>
-              <a:ext uri="{28A0092B-C50C-407E-A947-70E740481C1C}">
-                <a14:useLocalDpi xmlns:a14="http://schemas.microsoft.com/office/drawing/2010/main" val="0"/>
-              </a:ext>
-            </a:extLst>
-          </a:blip>
+          <a:blip r:embed="rId3"/>
           <a:stretch>
             <a:fillRect/>
           </a:stretch>
         </p:blipFill>
         <p:spPr>
           <a:xfrm>
-            <a:off x="933201" y="4936977"/>
-            <a:ext cx="4224954" cy="959827"/>
+            <a:off x="933201" y="4939165"/>
+            <a:ext cx="4224894" cy="969348"/>
           </a:xfrm>
           <a:prstGeom prst="rect">
             <a:avLst/>
@@ -44066,6 +44048,288 @@
               <a:t>を確認することが可能です。 </a:t>
             </a:r>
             <a:endParaRPr lang="en-US" altLang="ja-JP" sz="1600" dirty="0" smtClean="0"/>
+          </a:p>
+        </p:txBody>
+      </p:sp>
+      <p:pic>
+        <p:nvPicPr>
+          <p:cNvPr id="3" name="図 2"/>
+          <p:cNvPicPr>
+            <a:picLocks noChangeAspect="1"/>
+          </p:cNvPicPr>
+          <p:nvPr/>
+        </p:nvPicPr>
+        <p:blipFill>
+          <a:blip r:embed="rId4">
+            <a:extLst>
+              <a:ext uri="{28A0092B-C50C-407E-A947-70E740481C1C}">
+                <a14:useLocalDpi xmlns:a14="http://schemas.microsoft.com/office/drawing/2010/main" val="0"/>
+              </a:ext>
+            </a:extLst>
+          </a:blip>
+          <a:stretch>
+            <a:fillRect/>
+          </a:stretch>
+        </p:blipFill>
+        <p:spPr>
+          <a:xfrm>
+            <a:off x="5213303" y="4684035"/>
+            <a:ext cx="3218748" cy="1604729"/>
+          </a:xfrm>
+          <a:prstGeom prst="rect">
+            <a:avLst/>
+          </a:prstGeom>
+        </p:spPr>
+      </p:pic>
+      <p:sp>
+        <p:nvSpPr>
+          <p:cNvPr id="13" name="テキスト ボックス 12"/>
+          <p:cNvSpPr txBox="1"/>
+          <p:nvPr/>
+        </p:nvSpPr>
+        <p:spPr>
+          <a:xfrm>
+            <a:off x="5356577" y="4403274"/>
+            <a:ext cx="2055905" cy="276999"/>
+          </a:xfrm>
+          <a:prstGeom prst="rect">
+            <a:avLst/>
+          </a:prstGeom>
+          <a:noFill/>
+        </p:spPr>
+        <p:txBody>
+          <a:bodyPr wrap="square" rtlCol="0">
+            <a:spAutoFit/>
+          </a:bodyPr>
+          <a:lstStyle/>
+          <a:p>
+            <a:r>
+              <a:rPr lang="ja-JP" altLang="en-US" sz="1200" b="1" dirty="0"/>
+              <a:t> </a:t>
+            </a:r>
+            <a:r>
+              <a:rPr lang="en-US" altLang="ja-JP" sz="1200" b="1" dirty="0" smtClean="0"/>
+              <a:t>Symphony</a:t>
+            </a:r>
+            <a:r>
+              <a:rPr lang="ja-JP" altLang="en-US" sz="1200" b="1" dirty="0" smtClean="0"/>
+              <a:t>作業</a:t>
+            </a:r>
+            <a:r>
+              <a:rPr lang="ja-JP" altLang="en-US" sz="1200" b="1" dirty="0"/>
+              <a:t>確認</a:t>
+            </a:r>
+            <a:r>
+              <a:rPr kumimoji="1" lang="ja-JP" altLang="en-US" sz="1200" b="1" dirty="0" smtClean="0"/>
+              <a:t>画面</a:t>
+            </a:r>
+            <a:endParaRPr kumimoji="1" lang="ja-JP" altLang="en-US" sz="1200" b="1" dirty="0"/>
+          </a:p>
+        </p:txBody>
+      </p:sp>
+      <p:pic>
+        <p:nvPicPr>
+          <p:cNvPr id="12" name="図 11"/>
+          <p:cNvPicPr>
+            <a:picLocks noChangeAspect="1"/>
+          </p:cNvPicPr>
+          <p:nvPr/>
+        </p:nvPicPr>
+        <p:blipFill>
+          <a:blip r:embed="rId5">
+            <a:extLst>
+              <a:ext uri="{28A0092B-C50C-407E-A947-70E740481C1C}">
+                <a14:useLocalDpi xmlns:a14="http://schemas.microsoft.com/office/drawing/2010/main" val="0"/>
+              </a:ext>
+            </a:extLst>
+          </a:blip>
+          <a:stretch>
+            <a:fillRect/>
+          </a:stretch>
+        </p:blipFill>
+        <p:spPr>
+          <a:xfrm>
+            <a:off x="933201" y="2736908"/>
+            <a:ext cx="4240223" cy="2200069"/>
+          </a:xfrm>
+          <a:prstGeom prst="rect">
+            <a:avLst/>
+          </a:prstGeom>
+        </p:spPr>
+      </p:pic>
+      <p:sp>
+        <p:nvSpPr>
+          <p:cNvPr id="5" name="角丸四角形 4"/>
+          <p:cNvSpPr/>
+          <p:nvPr/>
+        </p:nvSpPr>
+        <p:spPr bwMode="auto">
+          <a:xfrm>
+            <a:off x="924233" y="4664609"/>
+            <a:ext cx="631517" cy="148691"/>
+          </a:xfrm>
+          <a:prstGeom prst="roundRect">
+            <a:avLst>
+              <a:gd name="adj" fmla="val 5764"/>
+            </a:avLst>
+          </a:prstGeom>
+          <a:noFill/>
+          <a:ln w="28575">
+            <a:solidFill>
+              <a:srgbClr val="FF0000"/>
+            </a:solidFill>
+          </a:ln>
+          <a:effectLst/>
+          <a:extLst/>
+        </p:spPr>
+        <p:txBody>
+          <a:bodyPr rot="0" spcFirstLastPara="0" vertOverflow="overflow" horzOverflow="overflow" vert="horz" wrap="none" lIns="72000" tIns="72000" rIns="72000" bIns="72000" numCol="1" spcCol="0" rtlCol="0" fromWordArt="0" anchor="ctr" anchorCtr="0" forceAA="0" compatLnSpc="1">
+            <a:prstTxWarp prst="textNoShape">
+              <a:avLst/>
+            </a:prstTxWarp>
+            <a:noAutofit/>
+          </a:bodyPr>
+          <a:lstStyle/>
+          <a:p>
+            <a:pPr algn="ctr"/>
+            <a:endParaRPr kumimoji="1" lang="ja-JP" altLang="en-US" sz="1400" b="1" dirty="0" smtClean="0">
+              <a:solidFill>
+                <a:srgbClr val="FF0000"/>
+              </a:solidFill>
+              <a:latin typeface="+mn-ea"/>
+            </a:endParaRPr>
+          </a:p>
+        </p:txBody>
+      </p:sp>
+      <p:sp>
+        <p:nvSpPr>
+          <p:cNvPr id="17" name="角丸四角形 16"/>
+          <p:cNvSpPr/>
+          <p:nvPr/>
+        </p:nvSpPr>
+        <p:spPr bwMode="auto">
+          <a:xfrm>
+            <a:off x="2428418" y="2757237"/>
+            <a:ext cx="3228759" cy="488917"/>
+          </a:xfrm>
+          <a:prstGeom prst="roundRect">
+            <a:avLst/>
+          </a:prstGeom>
+          <a:solidFill>
+            <a:schemeClr val="bg2"/>
+          </a:solidFill>
+          <a:ln w="19050">
+            <a:solidFill>
+              <a:srgbClr val="FF0000"/>
+            </a:solidFill>
+          </a:ln>
+          <a:effectLst/>
+          <a:extLst/>
+        </p:spPr>
+        <p:txBody>
+          <a:bodyPr rot="0" spcFirstLastPara="0" vertOverflow="overflow" horzOverflow="overflow" vert="horz" wrap="none" lIns="72000" tIns="72000" rIns="72000" bIns="72000" numCol="1" spcCol="0" rtlCol="0" fromWordArt="0" anchor="t" anchorCtr="0" forceAA="0" compatLnSpc="1">
+            <a:prstTxWarp prst="textNoShape">
+              <a:avLst/>
+            </a:prstTxWarp>
+            <a:noAutofit/>
+          </a:bodyPr>
+          <a:lstStyle/>
+          <a:p>
+            <a:r>
+              <a:rPr lang="ja-JP" altLang="en-US" sz="1100" b="1" dirty="0" smtClean="0">
+                <a:solidFill>
+                  <a:srgbClr val="FF0000"/>
+                </a:solidFill>
+                <a:latin typeface="+mn-ea"/>
+              </a:rPr>
+              <a:t>過去</a:t>
+            </a:r>
+            <a:r>
+              <a:rPr lang="ja-JP" altLang="en-US" sz="1100" b="1" dirty="0">
+                <a:solidFill>
+                  <a:srgbClr val="FF0000"/>
+                </a:solidFill>
+                <a:latin typeface="+mn-ea"/>
+              </a:rPr>
+              <a:t>の</a:t>
+            </a:r>
+            <a:r>
+              <a:rPr lang="en-US" altLang="ja-JP" sz="1100" b="1" dirty="0" smtClean="0">
+                <a:solidFill>
+                  <a:srgbClr val="FF0000"/>
+                </a:solidFill>
+                <a:latin typeface="+mn-ea"/>
+              </a:rPr>
+              <a:t>Symphony</a:t>
+            </a:r>
+            <a:r>
+              <a:rPr lang="ja-JP" altLang="en-US" sz="1100" b="1" dirty="0">
+                <a:solidFill>
+                  <a:srgbClr val="FF0000"/>
+                </a:solidFill>
+                <a:latin typeface="+mn-ea"/>
+              </a:rPr>
+              <a:t>実行結果の</a:t>
+            </a:r>
+            <a:r>
+              <a:rPr lang="ja-JP" altLang="en-US" sz="1100" b="1" dirty="0" smtClean="0">
+                <a:solidFill>
+                  <a:srgbClr val="FF0000"/>
+                </a:solidFill>
+                <a:latin typeface="+mn-ea"/>
+              </a:rPr>
+              <a:t>ステータス割合</a:t>
+            </a:r>
+            <a:r>
+              <a:rPr lang="ja-JP" altLang="en-US" sz="1100" b="1" dirty="0">
+                <a:solidFill>
+                  <a:srgbClr val="FF0000"/>
+                </a:solidFill>
+                <a:latin typeface="+mn-ea"/>
+              </a:rPr>
+              <a:t>が</a:t>
+            </a:r>
+          </a:p>
+          <a:p>
+            <a:r>
+              <a:rPr lang="ja-JP" altLang="en-US" sz="1100" b="1" dirty="0" smtClean="0">
+                <a:solidFill>
+                  <a:srgbClr val="FF0000"/>
+                </a:solidFill>
+                <a:latin typeface="+mn-ea"/>
+              </a:rPr>
+              <a:t>グラフ</a:t>
+            </a:r>
+            <a:r>
+              <a:rPr lang="ja-JP" altLang="en-US" sz="1100" b="1" dirty="0">
+                <a:solidFill>
+                  <a:srgbClr val="FF0000"/>
+                </a:solidFill>
+                <a:latin typeface="+mn-ea"/>
+              </a:rPr>
+              <a:t>で</a:t>
+            </a:r>
+            <a:r>
+              <a:rPr lang="ja-JP" altLang="en-US" sz="1100" b="1" dirty="0" smtClean="0">
+                <a:solidFill>
+                  <a:srgbClr val="FF0000"/>
+                </a:solidFill>
+                <a:latin typeface="+mn-ea"/>
+              </a:rPr>
+              <a:t>表示</a:t>
+            </a:r>
+            <a:r>
+              <a:rPr lang="ja-JP" altLang="en-US" sz="1100" b="1" dirty="0">
+                <a:solidFill>
+                  <a:srgbClr val="FF0000"/>
+                </a:solidFill>
+                <a:latin typeface="+mn-ea"/>
+              </a:rPr>
+              <a:t>されます</a:t>
+            </a:r>
+            <a:endParaRPr lang="en-US" altLang="ja-JP" sz="1100" b="1" dirty="0">
+              <a:latin typeface="+mn-ea"/>
+            </a:endParaRPr>
           </a:p>
         </p:txBody>
       </p:sp>
@@ -44368,36 +44632,6 @@
           </p:txBody>
         </p:sp>
       </p:grpSp>
-      <p:pic>
-        <p:nvPicPr>
-          <p:cNvPr id="3" name="図 2"/>
-          <p:cNvPicPr>
-            <a:picLocks noChangeAspect="1"/>
-          </p:cNvPicPr>
-          <p:nvPr/>
-        </p:nvPicPr>
-        <p:blipFill>
-          <a:blip r:embed="rId4">
-            <a:extLst>
-              <a:ext uri="{28A0092B-C50C-407E-A947-70E740481C1C}">
-                <a14:useLocalDpi xmlns:a14="http://schemas.microsoft.com/office/drawing/2010/main" val="0"/>
-              </a:ext>
-            </a:extLst>
-          </a:blip>
-          <a:stretch>
-            <a:fillRect/>
-          </a:stretch>
-        </p:blipFill>
-        <p:spPr>
-          <a:xfrm>
-            <a:off x="5213303" y="4684035"/>
-            <a:ext cx="3218748" cy="1604729"/>
-          </a:xfrm>
-          <a:prstGeom prst="rect">
-            <a:avLst/>
-          </a:prstGeom>
-        </p:spPr>
-      </p:pic>
       <p:sp>
         <p:nvSpPr>
           <p:cNvPr id="11" name="角丸四角形 10"/>
@@ -44437,258 +44671,6 @@
               <a:solidFill>
                 <a:srgbClr val="FF0000"/>
               </a:solidFill>
-              <a:latin typeface="+mn-ea"/>
-            </a:endParaRPr>
-          </a:p>
-        </p:txBody>
-      </p:sp>
-      <p:sp>
-        <p:nvSpPr>
-          <p:cNvPr id="13" name="テキスト ボックス 12"/>
-          <p:cNvSpPr txBox="1"/>
-          <p:nvPr/>
-        </p:nvSpPr>
-        <p:spPr>
-          <a:xfrm>
-            <a:off x="5356577" y="4403274"/>
-            <a:ext cx="2055905" cy="276999"/>
-          </a:xfrm>
-          <a:prstGeom prst="rect">
-            <a:avLst/>
-          </a:prstGeom>
-          <a:noFill/>
-        </p:spPr>
-        <p:txBody>
-          <a:bodyPr wrap="square" rtlCol="0">
-            <a:spAutoFit/>
-          </a:bodyPr>
-          <a:lstStyle/>
-          <a:p>
-            <a:r>
-              <a:rPr lang="ja-JP" altLang="en-US" sz="1200" b="1" dirty="0"/>
-              <a:t> </a:t>
-            </a:r>
-            <a:r>
-              <a:rPr lang="en-US" altLang="ja-JP" sz="1200" b="1" dirty="0" smtClean="0"/>
-              <a:t>Symphony</a:t>
-            </a:r>
-            <a:r>
-              <a:rPr lang="ja-JP" altLang="en-US" sz="1200" b="1" dirty="0" smtClean="0"/>
-              <a:t>作業</a:t>
-            </a:r>
-            <a:r>
-              <a:rPr lang="ja-JP" altLang="en-US" sz="1200" b="1" dirty="0"/>
-              <a:t>確認</a:t>
-            </a:r>
-            <a:r>
-              <a:rPr kumimoji="1" lang="ja-JP" altLang="en-US" sz="1200" b="1" dirty="0" smtClean="0"/>
-              <a:t>画面</a:t>
-            </a:r>
-            <a:endParaRPr kumimoji="1" lang="ja-JP" altLang="en-US" sz="1200" b="1" dirty="0"/>
-          </a:p>
-        </p:txBody>
-      </p:sp>
-      <p:pic>
-        <p:nvPicPr>
-          <p:cNvPr id="12" name="図 11"/>
-          <p:cNvPicPr>
-            <a:picLocks noChangeAspect="1"/>
-          </p:cNvPicPr>
-          <p:nvPr/>
-        </p:nvPicPr>
-        <p:blipFill>
-          <a:blip r:embed="rId5">
-            <a:extLst>
-              <a:ext uri="{28A0092B-C50C-407E-A947-70E740481C1C}">
-                <a14:useLocalDpi xmlns:a14="http://schemas.microsoft.com/office/drawing/2010/main" val="0"/>
-              </a:ext>
-            </a:extLst>
-          </a:blip>
-          <a:stretch>
-            <a:fillRect/>
-          </a:stretch>
-        </p:blipFill>
-        <p:spPr>
-          <a:xfrm>
-            <a:off x="933201" y="2736908"/>
-            <a:ext cx="4240223" cy="2200069"/>
-          </a:xfrm>
-          <a:prstGeom prst="rect">
-            <a:avLst/>
-          </a:prstGeom>
-        </p:spPr>
-      </p:pic>
-      <p:sp>
-        <p:nvSpPr>
-          <p:cNvPr id="5" name="角丸四角形 4"/>
-          <p:cNvSpPr/>
-          <p:nvPr/>
-        </p:nvSpPr>
-        <p:spPr bwMode="auto">
-          <a:xfrm>
-            <a:off x="924233" y="4664609"/>
-            <a:ext cx="631517" cy="148691"/>
-          </a:xfrm>
-          <a:prstGeom prst="roundRect">
-            <a:avLst>
-              <a:gd name="adj" fmla="val 5764"/>
-            </a:avLst>
-          </a:prstGeom>
-          <a:noFill/>
-          <a:ln w="28575">
-            <a:solidFill>
-              <a:srgbClr val="FF0000"/>
-            </a:solidFill>
-          </a:ln>
-          <a:effectLst/>
-          <a:extLst/>
-        </p:spPr>
-        <p:txBody>
-          <a:bodyPr rot="0" spcFirstLastPara="0" vertOverflow="overflow" horzOverflow="overflow" vert="horz" wrap="none" lIns="72000" tIns="72000" rIns="72000" bIns="72000" numCol="1" spcCol="0" rtlCol="0" fromWordArt="0" anchor="ctr" anchorCtr="0" forceAA="0" compatLnSpc="1">
-            <a:prstTxWarp prst="textNoShape">
-              <a:avLst/>
-            </a:prstTxWarp>
-            <a:noAutofit/>
-          </a:bodyPr>
-          <a:lstStyle/>
-          <a:p>
-            <a:pPr algn="ctr"/>
-            <a:endParaRPr kumimoji="1" lang="ja-JP" altLang="en-US" sz="1400" b="1" dirty="0" smtClean="0">
-              <a:solidFill>
-                <a:srgbClr val="FF0000"/>
-              </a:solidFill>
-              <a:latin typeface="+mn-ea"/>
-            </a:endParaRPr>
-          </a:p>
-        </p:txBody>
-      </p:sp>
-      <p:sp>
-        <p:nvSpPr>
-          <p:cNvPr id="17" name="角丸四角形 16"/>
-          <p:cNvSpPr/>
-          <p:nvPr/>
-        </p:nvSpPr>
-        <p:spPr bwMode="auto">
-          <a:xfrm>
-            <a:off x="2428418" y="2757237"/>
-            <a:ext cx="3228759" cy="488917"/>
-          </a:xfrm>
-          <a:prstGeom prst="roundRect">
-            <a:avLst/>
-          </a:prstGeom>
-          <a:solidFill>
-            <a:schemeClr val="bg2"/>
-          </a:solidFill>
-          <a:ln w="19050">
-            <a:solidFill>
-              <a:srgbClr val="FF0000"/>
-            </a:solidFill>
-          </a:ln>
-          <a:effectLst/>
-          <a:extLst/>
-        </p:spPr>
-        <p:txBody>
-          <a:bodyPr rot="0" spcFirstLastPara="0" vertOverflow="overflow" horzOverflow="overflow" vert="horz" wrap="none" lIns="72000" tIns="72000" rIns="72000" bIns="72000" numCol="1" spcCol="0" rtlCol="0" fromWordArt="0" anchor="t" anchorCtr="0" forceAA="0" compatLnSpc="1">
-            <a:prstTxWarp prst="textNoShape">
-              <a:avLst/>
-            </a:prstTxWarp>
-            <a:noAutofit/>
-          </a:bodyPr>
-          <a:lstStyle/>
-          <a:p>
-            <a:r>
-              <a:rPr lang="ja-JP" altLang="en-US" sz="1100" b="1" dirty="0" smtClean="0">
-                <a:solidFill>
-                  <a:srgbClr val="FF0000"/>
-                </a:solidFill>
-                <a:latin typeface="+mn-ea"/>
-              </a:rPr>
-              <a:t>過去</a:t>
-            </a:r>
-            <a:r>
-              <a:rPr lang="ja-JP" altLang="en-US" sz="1100" b="1" dirty="0">
-                <a:solidFill>
-                  <a:srgbClr val="FF0000"/>
-                </a:solidFill>
-                <a:latin typeface="+mn-ea"/>
-              </a:rPr>
-              <a:t>の</a:t>
-            </a:r>
-            <a:r>
-              <a:rPr lang="en-US" altLang="ja-JP" sz="1100" b="1" dirty="0" smtClean="0">
-                <a:solidFill>
-                  <a:srgbClr val="FF0000"/>
-                </a:solidFill>
-                <a:latin typeface="+mn-ea"/>
-              </a:rPr>
-              <a:t>Symphony</a:t>
-            </a:r>
-            <a:r>
-              <a:rPr lang="ja-JP" altLang="en-US" sz="1100" b="1" dirty="0">
-                <a:solidFill>
-                  <a:srgbClr val="FF0000"/>
-                </a:solidFill>
-                <a:latin typeface="+mn-ea"/>
-              </a:rPr>
-              <a:t>実行結果の</a:t>
-            </a:r>
-            <a:r>
-              <a:rPr lang="ja-JP" altLang="en-US" sz="1100" b="1" dirty="0" smtClean="0">
-                <a:solidFill>
-                  <a:srgbClr val="FF0000"/>
-                </a:solidFill>
-                <a:latin typeface="+mn-ea"/>
-              </a:rPr>
-              <a:t>ステータス割合</a:t>
-            </a:r>
-            <a:r>
-              <a:rPr lang="ja-JP" altLang="en-US" sz="1100" b="1" dirty="0">
-                <a:solidFill>
-                  <a:srgbClr val="FF0000"/>
-                </a:solidFill>
-                <a:latin typeface="+mn-ea"/>
-              </a:rPr>
-              <a:t>が</a:t>
-            </a:r>
-          </a:p>
-          <a:p>
-            <a:r>
-              <a:rPr lang="ja-JP" altLang="en-US" sz="1100" b="1" dirty="0" smtClean="0">
-                <a:solidFill>
-                  <a:srgbClr val="FF0000"/>
-                </a:solidFill>
-                <a:latin typeface="+mn-ea"/>
-              </a:rPr>
-              <a:t>グラフ</a:t>
-            </a:r>
-            <a:r>
-              <a:rPr lang="ja-JP" altLang="en-US" sz="1100" b="1" dirty="0">
-                <a:solidFill>
-                  <a:srgbClr val="FF0000"/>
-                </a:solidFill>
-                <a:latin typeface="+mn-ea"/>
-              </a:rPr>
-              <a:t>で</a:t>
-            </a:r>
-            <a:r>
-              <a:rPr lang="ja-JP" altLang="en-US" sz="1100" b="1" dirty="0" smtClean="0">
-                <a:solidFill>
-                  <a:srgbClr val="FF0000"/>
-                </a:solidFill>
-                <a:latin typeface="+mn-ea"/>
-              </a:rPr>
-              <a:t>表示</a:t>
-            </a:r>
-            <a:r>
-              <a:rPr lang="ja-JP" altLang="en-US" sz="1100" b="1" dirty="0">
-                <a:solidFill>
-                  <a:srgbClr val="FF0000"/>
-                </a:solidFill>
-                <a:latin typeface="+mn-ea"/>
-              </a:rPr>
-              <a:t>されます</a:t>
-            </a:r>
-            <a:endParaRPr lang="en-US" altLang="ja-JP" sz="1100" b="1" dirty="0">
               <a:latin typeface="+mn-ea"/>
             </a:endParaRPr>
           </a:p>

--- a/asset/Learn_ja/ITA-base_classroom lecture_ja.pptx
+++ b/asset/Learn_ja/ITA-base_classroom lecture_ja.pptx
@@ -336,7 +336,7 @@
               <a:rPr kumimoji="1" lang="ja-JP" altLang="en-US" smtClean="0">
                 <a:ea typeface="メイリオ" panose="020B0604030504040204" pitchFamily="50" charset="-128"/>
               </a:rPr>
-              <a:t>2019/7/22</a:t>
+              <a:t>2021/3/2</a:t>
             </a:fld>
             <a:endParaRPr kumimoji="1" lang="ja-JP" altLang="en-US" dirty="0">
               <a:ea typeface="メイリオ" panose="020B0604030504040204" pitchFamily="50" charset="-128"/>
@@ -482,7 +482,7 @@
             <a:fld id="{4B26993D-C081-44EB-B0F5-A9F467792B62}" type="datetimeFigureOut">
               <a:rPr lang="ja-JP" altLang="en-US" smtClean="0"/>
               <a:pPr/>
-              <a:t>2019/7/22</a:t>
+              <a:t>2021/3/2</a:t>
             </a:fld>
             <a:endParaRPr lang="ja-JP" altLang="en-US" dirty="0"/>
           </a:p>
@@ -2680,7 +2680,7 @@
           <a:p>
             <a:fld id="{56F9016B-CCA6-43BE-8BEE-59565A35F4F7}" type="datetimeFigureOut">
               <a:rPr kumimoji="1" lang="ja-JP" altLang="en-US" smtClean="0"/>
-              <a:t>2019/7/22</a:t>
+              <a:t>2021/3/2</a:t>
             </a:fld>
             <a:endParaRPr kumimoji="1" lang="ja-JP" altLang="en-US"/>
           </a:p>
@@ -2882,7 +2882,7 @@
           <a:p>
             <a:fld id="{56F9016B-CCA6-43BE-8BEE-59565A35F4F7}" type="datetimeFigureOut">
               <a:rPr kumimoji="1" lang="ja-JP" altLang="en-US" smtClean="0"/>
-              <a:t>2019/7/22</a:t>
+              <a:t>2021/3/2</a:t>
             </a:fld>
             <a:endParaRPr kumimoji="1" lang="ja-JP" altLang="en-US"/>
           </a:p>
@@ -3128,7 +3128,7 @@
           <a:p>
             <a:fld id="{56F9016B-CCA6-43BE-8BEE-59565A35F4F7}" type="datetimeFigureOut">
               <a:rPr kumimoji="1" lang="ja-JP" altLang="en-US" smtClean="0"/>
-              <a:t>2019/7/22</a:t>
+              <a:t>2021/3/2</a:t>
             </a:fld>
             <a:endParaRPr kumimoji="1" lang="ja-JP" altLang="en-US"/>
           </a:p>
@@ -3424,7 +3424,7 @@
           <a:p>
             <a:fld id="{56F9016B-CCA6-43BE-8BEE-59565A35F4F7}" type="datetimeFigureOut">
               <a:rPr kumimoji="1" lang="ja-JP" altLang="en-US" smtClean="0"/>
-              <a:t>2019/7/22</a:t>
+              <a:t>2021/3/2</a:t>
             </a:fld>
             <a:endParaRPr kumimoji="1" lang="ja-JP" altLang="en-US"/>
           </a:p>
@@ -3855,7 +3855,7 @@
           <a:p>
             <a:fld id="{56F9016B-CCA6-43BE-8BEE-59565A35F4F7}" type="datetimeFigureOut">
               <a:rPr kumimoji="1" lang="ja-JP" altLang="en-US" smtClean="0"/>
-              <a:t>2019/7/22</a:t>
+              <a:t>2021/3/2</a:t>
             </a:fld>
             <a:endParaRPr kumimoji="1" lang="ja-JP" altLang="en-US"/>
           </a:p>
@@ -3973,7 +3973,7 @@
           <a:p>
             <a:fld id="{56F9016B-CCA6-43BE-8BEE-59565A35F4F7}" type="datetimeFigureOut">
               <a:rPr kumimoji="1" lang="ja-JP" altLang="en-US" smtClean="0"/>
-              <a:t>2019/7/22</a:t>
+              <a:t>2021/3/2</a:t>
             </a:fld>
             <a:endParaRPr kumimoji="1" lang="ja-JP" altLang="en-US"/>
           </a:p>
@@ -4068,7 +4068,7 @@
           <a:p>
             <a:fld id="{56F9016B-CCA6-43BE-8BEE-59565A35F4F7}" type="datetimeFigureOut">
               <a:rPr kumimoji="1" lang="ja-JP" altLang="en-US" smtClean="0"/>
-              <a:t>2019/7/22</a:t>
+              <a:t>2021/3/2</a:t>
             </a:fld>
             <a:endParaRPr kumimoji="1" lang="ja-JP" altLang="en-US"/>
           </a:p>
@@ -4377,7 +4377,7 @@
           <a:p>
             <a:fld id="{56F9016B-CCA6-43BE-8BEE-59565A35F4F7}" type="datetimeFigureOut">
               <a:rPr kumimoji="1" lang="ja-JP" altLang="en-US" smtClean="0"/>
-              <a:t>2019/7/22</a:t>
+              <a:t>2021/3/2</a:t>
             </a:fld>
             <a:endParaRPr kumimoji="1" lang="ja-JP" altLang="en-US"/>
           </a:p>
@@ -4630,7 +4630,7 @@
           <a:p>
             <a:fld id="{56F9016B-CCA6-43BE-8BEE-59565A35F4F7}" type="datetimeFigureOut">
               <a:rPr kumimoji="1" lang="ja-JP" altLang="en-US" smtClean="0"/>
-              <a:t>2019/7/22</a:t>
+              <a:t>2021/3/2</a:t>
             </a:fld>
             <a:endParaRPr kumimoji="1" lang="ja-JP" altLang="en-US"/>
           </a:p>
@@ -4907,7 +4907,7 @@
           <a:p>
             <a:fld id="{56F9016B-CCA6-43BE-8BEE-59565A35F4F7}" type="datetimeFigureOut">
               <a:rPr kumimoji="1" lang="ja-JP" altLang="en-US" smtClean="0"/>
-              <a:t>2019/7/22</a:t>
+              <a:t>2021/3/2</a:t>
             </a:fld>
             <a:endParaRPr kumimoji="1" lang="ja-JP" altLang="en-US"/>
           </a:p>
@@ -5119,7 +5119,7 @@
           <a:p>
             <a:fld id="{56F9016B-CCA6-43BE-8BEE-59565A35F4F7}" type="datetimeFigureOut">
               <a:rPr kumimoji="1" lang="ja-JP" altLang="en-US" smtClean="0"/>
-              <a:t>2019/7/22</a:t>
+              <a:t>2021/3/2</a:t>
             </a:fld>
             <a:endParaRPr kumimoji="1" lang="ja-JP" altLang="en-US"/>
           </a:p>
@@ -8178,7 +8178,7 @@
           <a:p>
             <a:fld id="{56F9016B-CCA6-43BE-8BEE-59565A35F4F7}" type="datetimeFigureOut">
               <a:rPr kumimoji="1" lang="ja-JP" altLang="en-US" smtClean="0"/>
-              <a:t>2019/7/22</a:t>
+              <a:t>2021/3/2</a:t>
             </a:fld>
             <a:endParaRPr kumimoji="1" lang="ja-JP" altLang="en-US"/>
           </a:p>
@@ -35444,28 +35444,22 @@
       </p:grpSpPr>
       <p:pic>
         <p:nvPicPr>
-          <p:cNvPr id="3" name="図 2"/>
+          <p:cNvPr id="4" name="図 3"/>
           <p:cNvPicPr>
             <a:picLocks noChangeAspect="1"/>
           </p:cNvPicPr>
           <p:nvPr/>
         </p:nvPicPr>
         <p:blipFill>
-          <a:blip r:embed="rId3">
-            <a:extLst>
-              <a:ext uri="{28A0092B-C50C-407E-A947-70E740481C1C}">
-                <a14:useLocalDpi xmlns:a14="http://schemas.microsoft.com/office/drawing/2010/main" val="0"/>
-              </a:ext>
-            </a:extLst>
-          </a:blip>
+          <a:blip r:embed="rId3"/>
           <a:stretch>
             <a:fillRect/>
           </a:stretch>
         </p:blipFill>
         <p:spPr>
           <a:xfrm>
-            <a:off x="1229227" y="2990400"/>
-            <a:ext cx="6679546" cy="3057442"/>
+            <a:off x="1249022" y="2995776"/>
+            <a:ext cx="6675699" cy="3054361"/>
           </a:xfrm>
           <a:prstGeom prst="rect">
             <a:avLst/>
@@ -36968,6 +36962,30 @@
           <a:chExt cx="0" cy="0"/>
         </a:xfrm>
       </p:grpSpPr>
+      <p:pic>
+        <p:nvPicPr>
+          <p:cNvPr id="3" name="図 2"/>
+          <p:cNvPicPr>
+            <a:picLocks noChangeAspect="1"/>
+          </p:cNvPicPr>
+          <p:nvPr/>
+        </p:nvPicPr>
+        <p:blipFill>
+          <a:blip r:embed="rId3"/>
+          <a:stretch>
+            <a:fillRect/>
+          </a:stretch>
+        </p:blipFill>
+        <p:spPr>
+          <a:xfrm>
+            <a:off x="1261613" y="2999628"/>
+            <a:ext cx="5779509" cy="2914141"/>
+          </a:xfrm>
+          <a:prstGeom prst="rect">
+            <a:avLst/>
+          </a:prstGeom>
+        </p:spPr>
+      </p:pic>
       <p:sp>
         <p:nvSpPr>
           <p:cNvPr id="2" name="タイトル 1"/>
@@ -37131,36 +37149,6 @@
           </a:p>
         </p:txBody>
       </p:sp>
-      <p:pic>
-        <p:nvPicPr>
-          <p:cNvPr id="4" name="図 3"/>
-          <p:cNvPicPr>
-            <a:picLocks noChangeAspect="1"/>
-          </p:cNvPicPr>
-          <p:nvPr/>
-        </p:nvPicPr>
-        <p:blipFill>
-          <a:blip r:embed="rId3">
-            <a:extLst>
-              <a:ext uri="{28A0092B-C50C-407E-A947-70E740481C1C}">
-                <a14:useLocalDpi xmlns:a14="http://schemas.microsoft.com/office/drawing/2010/main" val="0"/>
-              </a:ext>
-            </a:extLst>
-          </a:blip>
-          <a:stretch>
-            <a:fillRect/>
-          </a:stretch>
-        </p:blipFill>
-        <p:spPr>
-          <a:xfrm>
-            <a:off x="1259540" y="3006310"/>
-            <a:ext cx="5780291" cy="2914954"/>
-          </a:xfrm>
-          <a:prstGeom prst="rect">
-            <a:avLst/>
-          </a:prstGeom>
-        </p:spPr>
-      </p:pic>
       <p:sp>
         <p:nvSpPr>
           <p:cNvPr id="11" name="角丸四角形 10"/>
@@ -43842,28 +43830,22 @@
       </p:grpSpPr>
       <p:pic>
         <p:nvPicPr>
-          <p:cNvPr id="20" name="図 19"/>
+          <p:cNvPr id="4" name="図 3"/>
           <p:cNvPicPr>
             <a:picLocks noChangeAspect="1"/>
           </p:cNvPicPr>
           <p:nvPr/>
         </p:nvPicPr>
         <p:blipFill>
-          <a:blip r:embed="rId3">
-            <a:extLst>
-              <a:ext uri="{28A0092B-C50C-407E-A947-70E740481C1C}">
-                <a14:useLocalDpi xmlns:a14="http://schemas.microsoft.com/office/drawing/2010/main" val="0"/>
-              </a:ext>
-            </a:extLst>
-          </a:blip>
+          <a:blip r:embed="rId3"/>
           <a:stretch>
             <a:fillRect/>
           </a:stretch>
         </p:blipFill>
         <p:spPr>
           <a:xfrm>
-            <a:off x="933201" y="4936977"/>
-            <a:ext cx="4224954" cy="959827"/>
+            <a:off x="920097" y="4938626"/>
+            <a:ext cx="4224894" cy="957155"/>
           </a:xfrm>
           <a:prstGeom prst="rect">
             <a:avLst/>
@@ -44036,6 +44018,288 @@
               <a:t>を確認することが可能です。 </a:t>
             </a:r>
             <a:endParaRPr lang="en-US" altLang="ja-JP" sz="1600" dirty="0" smtClean="0"/>
+          </a:p>
+        </p:txBody>
+      </p:sp>
+      <p:pic>
+        <p:nvPicPr>
+          <p:cNvPr id="3" name="図 2"/>
+          <p:cNvPicPr>
+            <a:picLocks noChangeAspect="1"/>
+          </p:cNvPicPr>
+          <p:nvPr/>
+        </p:nvPicPr>
+        <p:blipFill>
+          <a:blip r:embed="rId4">
+            <a:extLst>
+              <a:ext uri="{28A0092B-C50C-407E-A947-70E740481C1C}">
+                <a14:useLocalDpi xmlns:a14="http://schemas.microsoft.com/office/drawing/2010/main" val="0"/>
+              </a:ext>
+            </a:extLst>
+          </a:blip>
+          <a:stretch>
+            <a:fillRect/>
+          </a:stretch>
+        </p:blipFill>
+        <p:spPr>
+          <a:xfrm>
+            <a:off x="5213303" y="4684035"/>
+            <a:ext cx="3218748" cy="1604729"/>
+          </a:xfrm>
+          <a:prstGeom prst="rect">
+            <a:avLst/>
+          </a:prstGeom>
+        </p:spPr>
+      </p:pic>
+      <p:sp>
+        <p:nvSpPr>
+          <p:cNvPr id="13" name="テキスト ボックス 12"/>
+          <p:cNvSpPr txBox="1"/>
+          <p:nvPr/>
+        </p:nvSpPr>
+        <p:spPr>
+          <a:xfrm>
+            <a:off x="5356577" y="4403274"/>
+            <a:ext cx="2055905" cy="276999"/>
+          </a:xfrm>
+          <a:prstGeom prst="rect">
+            <a:avLst/>
+          </a:prstGeom>
+          <a:noFill/>
+        </p:spPr>
+        <p:txBody>
+          <a:bodyPr wrap="square" rtlCol="0">
+            <a:spAutoFit/>
+          </a:bodyPr>
+          <a:lstStyle/>
+          <a:p>
+            <a:r>
+              <a:rPr lang="ja-JP" altLang="en-US" sz="1200" b="1" dirty="0"/>
+              <a:t> </a:t>
+            </a:r>
+            <a:r>
+              <a:rPr lang="en-US" altLang="ja-JP" sz="1200" b="1" dirty="0" smtClean="0"/>
+              <a:t>Symphony</a:t>
+            </a:r>
+            <a:r>
+              <a:rPr lang="ja-JP" altLang="en-US" sz="1200" b="1" dirty="0" smtClean="0"/>
+              <a:t>作業</a:t>
+            </a:r>
+            <a:r>
+              <a:rPr lang="ja-JP" altLang="en-US" sz="1200" b="1" dirty="0"/>
+              <a:t>確認</a:t>
+            </a:r>
+            <a:r>
+              <a:rPr kumimoji="1" lang="ja-JP" altLang="en-US" sz="1200" b="1" dirty="0" smtClean="0"/>
+              <a:t>画面</a:t>
+            </a:r>
+            <a:endParaRPr kumimoji="1" lang="ja-JP" altLang="en-US" sz="1200" b="1" dirty="0"/>
+          </a:p>
+        </p:txBody>
+      </p:sp>
+      <p:pic>
+        <p:nvPicPr>
+          <p:cNvPr id="12" name="図 11"/>
+          <p:cNvPicPr>
+            <a:picLocks noChangeAspect="1"/>
+          </p:cNvPicPr>
+          <p:nvPr/>
+        </p:nvPicPr>
+        <p:blipFill>
+          <a:blip r:embed="rId5">
+            <a:extLst>
+              <a:ext uri="{28A0092B-C50C-407E-A947-70E740481C1C}">
+                <a14:useLocalDpi xmlns:a14="http://schemas.microsoft.com/office/drawing/2010/main" val="0"/>
+              </a:ext>
+            </a:extLst>
+          </a:blip>
+          <a:stretch>
+            <a:fillRect/>
+          </a:stretch>
+        </p:blipFill>
+        <p:spPr>
+          <a:xfrm>
+            <a:off x="933201" y="2736908"/>
+            <a:ext cx="4240223" cy="2200069"/>
+          </a:xfrm>
+          <a:prstGeom prst="rect">
+            <a:avLst/>
+          </a:prstGeom>
+        </p:spPr>
+      </p:pic>
+      <p:sp>
+        <p:nvSpPr>
+          <p:cNvPr id="5" name="角丸四角形 4"/>
+          <p:cNvSpPr/>
+          <p:nvPr/>
+        </p:nvSpPr>
+        <p:spPr bwMode="auto">
+          <a:xfrm>
+            <a:off x="924233" y="4664609"/>
+            <a:ext cx="631517" cy="148691"/>
+          </a:xfrm>
+          <a:prstGeom prst="roundRect">
+            <a:avLst>
+              <a:gd name="adj" fmla="val 5764"/>
+            </a:avLst>
+          </a:prstGeom>
+          <a:noFill/>
+          <a:ln w="28575">
+            <a:solidFill>
+              <a:srgbClr val="FF0000"/>
+            </a:solidFill>
+          </a:ln>
+          <a:effectLst/>
+          <a:extLst/>
+        </p:spPr>
+        <p:txBody>
+          <a:bodyPr rot="0" spcFirstLastPara="0" vertOverflow="overflow" horzOverflow="overflow" vert="horz" wrap="none" lIns="72000" tIns="72000" rIns="72000" bIns="72000" numCol="1" spcCol="0" rtlCol="0" fromWordArt="0" anchor="ctr" anchorCtr="0" forceAA="0" compatLnSpc="1">
+            <a:prstTxWarp prst="textNoShape">
+              <a:avLst/>
+            </a:prstTxWarp>
+            <a:noAutofit/>
+          </a:bodyPr>
+          <a:lstStyle/>
+          <a:p>
+            <a:pPr algn="ctr"/>
+            <a:endParaRPr kumimoji="1" lang="ja-JP" altLang="en-US" sz="1400" b="1" dirty="0" smtClean="0">
+              <a:solidFill>
+                <a:srgbClr val="FF0000"/>
+              </a:solidFill>
+              <a:latin typeface="+mn-ea"/>
+            </a:endParaRPr>
+          </a:p>
+        </p:txBody>
+      </p:sp>
+      <p:sp>
+        <p:nvSpPr>
+          <p:cNvPr id="17" name="角丸四角形 16"/>
+          <p:cNvSpPr/>
+          <p:nvPr/>
+        </p:nvSpPr>
+        <p:spPr bwMode="auto">
+          <a:xfrm>
+            <a:off x="2428418" y="2757237"/>
+            <a:ext cx="3228759" cy="488917"/>
+          </a:xfrm>
+          <a:prstGeom prst="roundRect">
+            <a:avLst/>
+          </a:prstGeom>
+          <a:solidFill>
+            <a:schemeClr val="bg2"/>
+          </a:solidFill>
+          <a:ln w="19050">
+            <a:solidFill>
+              <a:srgbClr val="FF0000"/>
+            </a:solidFill>
+          </a:ln>
+          <a:effectLst/>
+          <a:extLst/>
+        </p:spPr>
+        <p:txBody>
+          <a:bodyPr rot="0" spcFirstLastPara="0" vertOverflow="overflow" horzOverflow="overflow" vert="horz" wrap="none" lIns="72000" tIns="72000" rIns="72000" bIns="72000" numCol="1" spcCol="0" rtlCol="0" fromWordArt="0" anchor="t" anchorCtr="0" forceAA="0" compatLnSpc="1">
+            <a:prstTxWarp prst="textNoShape">
+              <a:avLst/>
+            </a:prstTxWarp>
+            <a:noAutofit/>
+          </a:bodyPr>
+          <a:lstStyle/>
+          <a:p>
+            <a:r>
+              <a:rPr lang="ja-JP" altLang="en-US" sz="1100" b="1" dirty="0" smtClean="0">
+                <a:solidFill>
+                  <a:srgbClr val="FF0000"/>
+                </a:solidFill>
+                <a:latin typeface="+mn-ea"/>
+              </a:rPr>
+              <a:t>過去</a:t>
+            </a:r>
+            <a:r>
+              <a:rPr lang="ja-JP" altLang="en-US" sz="1100" b="1" dirty="0">
+                <a:solidFill>
+                  <a:srgbClr val="FF0000"/>
+                </a:solidFill>
+                <a:latin typeface="+mn-ea"/>
+              </a:rPr>
+              <a:t>の</a:t>
+            </a:r>
+            <a:r>
+              <a:rPr lang="en-US" altLang="ja-JP" sz="1100" b="1" dirty="0" smtClean="0">
+                <a:solidFill>
+                  <a:srgbClr val="FF0000"/>
+                </a:solidFill>
+                <a:latin typeface="+mn-ea"/>
+              </a:rPr>
+              <a:t>Symphony</a:t>
+            </a:r>
+            <a:r>
+              <a:rPr lang="ja-JP" altLang="en-US" sz="1100" b="1" dirty="0">
+                <a:solidFill>
+                  <a:srgbClr val="FF0000"/>
+                </a:solidFill>
+                <a:latin typeface="+mn-ea"/>
+              </a:rPr>
+              <a:t>実行結果の</a:t>
+            </a:r>
+            <a:r>
+              <a:rPr lang="ja-JP" altLang="en-US" sz="1100" b="1" dirty="0" smtClean="0">
+                <a:solidFill>
+                  <a:srgbClr val="FF0000"/>
+                </a:solidFill>
+                <a:latin typeface="+mn-ea"/>
+              </a:rPr>
+              <a:t>ステータス割合</a:t>
+            </a:r>
+            <a:r>
+              <a:rPr lang="ja-JP" altLang="en-US" sz="1100" b="1" dirty="0">
+                <a:solidFill>
+                  <a:srgbClr val="FF0000"/>
+                </a:solidFill>
+                <a:latin typeface="+mn-ea"/>
+              </a:rPr>
+              <a:t>が</a:t>
+            </a:r>
+          </a:p>
+          <a:p>
+            <a:r>
+              <a:rPr lang="ja-JP" altLang="en-US" sz="1100" b="1" dirty="0" smtClean="0">
+                <a:solidFill>
+                  <a:srgbClr val="FF0000"/>
+                </a:solidFill>
+                <a:latin typeface="+mn-ea"/>
+              </a:rPr>
+              <a:t>グラフ</a:t>
+            </a:r>
+            <a:r>
+              <a:rPr lang="ja-JP" altLang="en-US" sz="1100" b="1" dirty="0">
+                <a:solidFill>
+                  <a:srgbClr val="FF0000"/>
+                </a:solidFill>
+                <a:latin typeface="+mn-ea"/>
+              </a:rPr>
+              <a:t>で</a:t>
+            </a:r>
+            <a:r>
+              <a:rPr lang="ja-JP" altLang="en-US" sz="1100" b="1" dirty="0" smtClean="0">
+                <a:solidFill>
+                  <a:srgbClr val="FF0000"/>
+                </a:solidFill>
+                <a:latin typeface="+mn-ea"/>
+              </a:rPr>
+              <a:t>表示</a:t>
+            </a:r>
+            <a:r>
+              <a:rPr lang="ja-JP" altLang="en-US" sz="1100" b="1" dirty="0">
+                <a:solidFill>
+                  <a:srgbClr val="FF0000"/>
+                </a:solidFill>
+                <a:latin typeface="+mn-ea"/>
+              </a:rPr>
+              <a:t>されます</a:t>
+            </a:r>
+            <a:endParaRPr lang="en-US" altLang="ja-JP" sz="1100" b="1" dirty="0">
+              <a:latin typeface="+mn-ea"/>
+            </a:endParaRPr>
           </a:p>
         </p:txBody>
       </p:sp>
@@ -44338,36 +44602,6 @@
           </p:txBody>
         </p:sp>
       </p:grpSp>
-      <p:pic>
-        <p:nvPicPr>
-          <p:cNvPr id="3" name="図 2"/>
-          <p:cNvPicPr>
-            <a:picLocks noChangeAspect="1"/>
-          </p:cNvPicPr>
-          <p:nvPr/>
-        </p:nvPicPr>
-        <p:blipFill>
-          <a:blip r:embed="rId4">
-            <a:extLst>
-              <a:ext uri="{28A0092B-C50C-407E-A947-70E740481C1C}">
-                <a14:useLocalDpi xmlns:a14="http://schemas.microsoft.com/office/drawing/2010/main" val="0"/>
-              </a:ext>
-            </a:extLst>
-          </a:blip>
-          <a:stretch>
-            <a:fillRect/>
-          </a:stretch>
-        </p:blipFill>
-        <p:spPr>
-          <a:xfrm>
-            <a:off x="5213303" y="4684035"/>
-            <a:ext cx="3218748" cy="1604729"/>
-          </a:xfrm>
-          <a:prstGeom prst="rect">
-            <a:avLst/>
-          </a:prstGeom>
-        </p:spPr>
-      </p:pic>
       <p:sp>
         <p:nvSpPr>
           <p:cNvPr id="11" name="角丸四角形 10"/>
@@ -44407,258 +44641,6 @@
               <a:solidFill>
                 <a:srgbClr val="FF0000"/>
               </a:solidFill>
-              <a:latin typeface="+mn-ea"/>
-            </a:endParaRPr>
-          </a:p>
-        </p:txBody>
-      </p:sp>
-      <p:sp>
-        <p:nvSpPr>
-          <p:cNvPr id="13" name="テキスト ボックス 12"/>
-          <p:cNvSpPr txBox="1"/>
-          <p:nvPr/>
-        </p:nvSpPr>
-        <p:spPr>
-          <a:xfrm>
-            <a:off x="5356577" y="4403274"/>
-            <a:ext cx="2055905" cy="276999"/>
-          </a:xfrm>
-          <a:prstGeom prst="rect">
-            <a:avLst/>
-          </a:prstGeom>
-          <a:noFill/>
-        </p:spPr>
-        <p:txBody>
-          <a:bodyPr wrap="square" rtlCol="0">
-            <a:spAutoFit/>
-          </a:bodyPr>
-          <a:lstStyle/>
-          <a:p>
-            <a:r>
-              <a:rPr lang="ja-JP" altLang="en-US" sz="1200" b="1" dirty="0"/>
-              <a:t> </a:t>
-            </a:r>
-            <a:r>
-              <a:rPr lang="en-US" altLang="ja-JP" sz="1200" b="1" dirty="0" smtClean="0"/>
-              <a:t>Symphony</a:t>
-            </a:r>
-            <a:r>
-              <a:rPr lang="ja-JP" altLang="en-US" sz="1200" b="1" dirty="0" smtClean="0"/>
-              <a:t>作業</a:t>
-            </a:r>
-            <a:r>
-              <a:rPr lang="ja-JP" altLang="en-US" sz="1200" b="1" dirty="0"/>
-              <a:t>確認</a:t>
-            </a:r>
-            <a:r>
-              <a:rPr kumimoji="1" lang="ja-JP" altLang="en-US" sz="1200" b="1" dirty="0" smtClean="0"/>
-              <a:t>画面</a:t>
-            </a:r>
-            <a:endParaRPr kumimoji="1" lang="ja-JP" altLang="en-US" sz="1200" b="1" dirty="0"/>
-          </a:p>
-        </p:txBody>
-      </p:sp>
-      <p:pic>
-        <p:nvPicPr>
-          <p:cNvPr id="12" name="図 11"/>
-          <p:cNvPicPr>
-            <a:picLocks noChangeAspect="1"/>
-          </p:cNvPicPr>
-          <p:nvPr/>
-        </p:nvPicPr>
-        <p:blipFill>
-          <a:blip r:embed="rId5">
-            <a:extLst>
-              <a:ext uri="{28A0092B-C50C-407E-A947-70E740481C1C}">
-                <a14:useLocalDpi xmlns:a14="http://schemas.microsoft.com/office/drawing/2010/main" val="0"/>
-              </a:ext>
-            </a:extLst>
-          </a:blip>
-          <a:stretch>
-            <a:fillRect/>
-          </a:stretch>
-        </p:blipFill>
-        <p:spPr>
-          <a:xfrm>
-            <a:off x="933201" y="2736908"/>
-            <a:ext cx="4240223" cy="2200069"/>
-          </a:xfrm>
-          <a:prstGeom prst="rect">
-            <a:avLst/>
-          </a:prstGeom>
-        </p:spPr>
-      </p:pic>
-      <p:sp>
-        <p:nvSpPr>
-          <p:cNvPr id="5" name="角丸四角形 4"/>
-          <p:cNvSpPr/>
-          <p:nvPr/>
-        </p:nvSpPr>
-        <p:spPr bwMode="auto">
-          <a:xfrm>
-            <a:off x="924233" y="4664609"/>
-            <a:ext cx="631517" cy="148691"/>
-          </a:xfrm>
-          <a:prstGeom prst="roundRect">
-            <a:avLst>
-              <a:gd name="adj" fmla="val 5764"/>
-            </a:avLst>
-          </a:prstGeom>
-          <a:noFill/>
-          <a:ln w="28575">
-            <a:solidFill>
-              <a:srgbClr val="FF0000"/>
-            </a:solidFill>
-          </a:ln>
-          <a:effectLst/>
-          <a:extLst/>
-        </p:spPr>
-        <p:txBody>
-          <a:bodyPr rot="0" spcFirstLastPara="0" vertOverflow="overflow" horzOverflow="overflow" vert="horz" wrap="none" lIns="72000" tIns="72000" rIns="72000" bIns="72000" numCol="1" spcCol="0" rtlCol="0" fromWordArt="0" anchor="ctr" anchorCtr="0" forceAA="0" compatLnSpc="1">
-            <a:prstTxWarp prst="textNoShape">
-              <a:avLst/>
-            </a:prstTxWarp>
-            <a:noAutofit/>
-          </a:bodyPr>
-          <a:lstStyle/>
-          <a:p>
-            <a:pPr algn="ctr"/>
-            <a:endParaRPr kumimoji="1" lang="ja-JP" altLang="en-US" sz="1400" b="1" dirty="0" smtClean="0">
-              <a:solidFill>
-                <a:srgbClr val="FF0000"/>
-              </a:solidFill>
-              <a:latin typeface="+mn-ea"/>
-            </a:endParaRPr>
-          </a:p>
-        </p:txBody>
-      </p:sp>
-      <p:sp>
-        <p:nvSpPr>
-          <p:cNvPr id="17" name="角丸四角形 16"/>
-          <p:cNvSpPr/>
-          <p:nvPr/>
-        </p:nvSpPr>
-        <p:spPr bwMode="auto">
-          <a:xfrm>
-            <a:off x="2428418" y="2757237"/>
-            <a:ext cx="3228759" cy="488917"/>
-          </a:xfrm>
-          <a:prstGeom prst="roundRect">
-            <a:avLst/>
-          </a:prstGeom>
-          <a:solidFill>
-            <a:schemeClr val="bg2"/>
-          </a:solidFill>
-          <a:ln w="19050">
-            <a:solidFill>
-              <a:srgbClr val="FF0000"/>
-            </a:solidFill>
-          </a:ln>
-          <a:effectLst/>
-          <a:extLst/>
-        </p:spPr>
-        <p:txBody>
-          <a:bodyPr rot="0" spcFirstLastPara="0" vertOverflow="overflow" horzOverflow="overflow" vert="horz" wrap="none" lIns="72000" tIns="72000" rIns="72000" bIns="72000" numCol="1" spcCol="0" rtlCol="0" fromWordArt="0" anchor="t" anchorCtr="0" forceAA="0" compatLnSpc="1">
-            <a:prstTxWarp prst="textNoShape">
-              <a:avLst/>
-            </a:prstTxWarp>
-            <a:noAutofit/>
-          </a:bodyPr>
-          <a:lstStyle/>
-          <a:p>
-            <a:r>
-              <a:rPr lang="ja-JP" altLang="en-US" sz="1100" b="1" dirty="0" smtClean="0">
-                <a:solidFill>
-                  <a:srgbClr val="FF0000"/>
-                </a:solidFill>
-                <a:latin typeface="+mn-ea"/>
-              </a:rPr>
-              <a:t>過去</a:t>
-            </a:r>
-            <a:r>
-              <a:rPr lang="ja-JP" altLang="en-US" sz="1100" b="1" dirty="0">
-                <a:solidFill>
-                  <a:srgbClr val="FF0000"/>
-                </a:solidFill>
-                <a:latin typeface="+mn-ea"/>
-              </a:rPr>
-              <a:t>の</a:t>
-            </a:r>
-            <a:r>
-              <a:rPr lang="en-US" altLang="ja-JP" sz="1100" b="1" dirty="0" smtClean="0">
-                <a:solidFill>
-                  <a:srgbClr val="FF0000"/>
-                </a:solidFill>
-                <a:latin typeface="+mn-ea"/>
-              </a:rPr>
-              <a:t>Symphony</a:t>
-            </a:r>
-            <a:r>
-              <a:rPr lang="ja-JP" altLang="en-US" sz="1100" b="1" dirty="0">
-                <a:solidFill>
-                  <a:srgbClr val="FF0000"/>
-                </a:solidFill>
-                <a:latin typeface="+mn-ea"/>
-              </a:rPr>
-              <a:t>実行結果の</a:t>
-            </a:r>
-            <a:r>
-              <a:rPr lang="ja-JP" altLang="en-US" sz="1100" b="1" dirty="0" smtClean="0">
-                <a:solidFill>
-                  <a:srgbClr val="FF0000"/>
-                </a:solidFill>
-                <a:latin typeface="+mn-ea"/>
-              </a:rPr>
-              <a:t>ステータス割合</a:t>
-            </a:r>
-            <a:r>
-              <a:rPr lang="ja-JP" altLang="en-US" sz="1100" b="1" dirty="0">
-                <a:solidFill>
-                  <a:srgbClr val="FF0000"/>
-                </a:solidFill>
-                <a:latin typeface="+mn-ea"/>
-              </a:rPr>
-              <a:t>が</a:t>
-            </a:r>
-          </a:p>
-          <a:p>
-            <a:r>
-              <a:rPr lang="ja-JP" altLang="en-US" sz="1100" b="1" dirty="0" smtClean="0">
-                <a:solidFill>
-                  <a:srgbClr val="FF0000"/>
-                </a:solidFill>
-                <a:latin typeface="+mn-ea"/>
-              </a:rPr>
-              <a:t>グラフ</a:t>
-            </a:r>
-            <a:r>
-              <a:rPr lang="ja-JP" altLang="en-US" sz="1100" b="1" dirty="0">
-                <a:solidFill>
-                  <a:srgbClr val="FF0000"/>
-                </a:solidFill>
-                <a:latin typeface="+mn-ea"/>
-              </a:rPr>
-              <a:t>で</a:t>
-            </a:r>
-            <a:r>
-              <a:rPr lang="ja-JP" altLang="en-US" sz="1100" b="1" dirty="0" smtClean="0">
-                <a:solidFill>
-                  <a:srgbClr val="FF0000"/>
-                </a:solidFill>
-                <a:latin typeface="+mn-ea"/>
-              </a:rPr>
-              <a:t>表示</a:t>
-            </a:r>
-            <a:r>
-              <a:rPr lang="ja-JP" altLang="en-US" sz="1100" b="1" dirty="0">
-                <a:solidFill>
-                  <a:srgbClr val="FF0000"/>
-                </a:solidFill>
-                <a:latin typeface="+mn-ea"/>
-              </a:rPr>
-              <a:t>されます</a:t>
-            </a:r>
-            <a:endParaRPr lang="en-US" altLang="ja-JP" sz="1100" b="1" dirty="0">
               <a:latin typeface="+mn-ea"/>
             </a:endParaRPr>
           </a:p>

--- a/asset/Learn_ja/ITA-base_classroom lecture_ja.pptx
+++ b/asset/Learn_ja/ITA-base_classroom lecture_ja.pptx
@@ -336,7 +336,7 @@
               <a:rPr kumimoji="1" lang="ja-JP" altLang="en-US" smtClean="0">
                 <a:ea typeface="メイリオ" panose="020B0604030504040204" pitchFamily="50" charset="-128"/>
               </a:rPr>
-              <a:t>2019/7/22</a:t>
+              <a:t>2021/3/2</a:t>
             </a:fld>
             <a:endParaRPr kumimoji="1" lang="ja-JP" altLang="en-US" dirty="0">
               <a:ea typeface="メイリオ" panose="020B0604030504040204" pitchFamily="50" charset="-128"/>
@@ -482,7 +482,7 @@
             <a:fld id="{4B26993D-C081-44EB-B0F5-A9F467792B62}" type="datetimeFigureOut">
               <a:rPr lang="ja-JP" altLang="en-US" smtClean="0"/>
               <a:pPr/>
-              <a:t>2019/7/22</a:t>
+              <a:t>2021/3/2</a:t>
             </a:fld>
             <a:endParaRPr lang="ja-JP" altLang="en-US" dirty="0"/>
           </a:p>
@@ -2680,7 +2680,7 @@
           <a:p>
             <a:fld id="{56F9016B-CCA6-43BE-8BEE-59565A35F4F7}" type="datetimeFigureOut">
               <a:rPr kumimoji="1" lang="ja-JP" altLang="en-US" smtClean="0"/>
-              <a:t>2019/7/22</a:t>
+              <a:t>2021/3/2</a:t>
             </a:fld>
             <a:endParaRPr kumimoji="1" lang="ja-JP" altLang="en-US"/>
           </a:p>
@@ -2882,7 +2882,7 @@
           <a:p>
             <a:fld id="{56F9016B-CCA6-43BE-8BEE-59565A35F4F7}" type="datetimeFigureOut">
               <a:rPr kumimoji="1" lang="ja-JP" altLang="en-US" smtClean="0"/>
-              <a:t>2019/7/22</a:t>
+              <a:t>2021/3/2</a:t>
             </a:fld>
             <a:endParaRPr kumimoji="1" lang="ja-JP" altLang="en-US"/>
           </a:p>
@@ -3128,7 +3128,7 @@
           <a:p>
             <a:fld id="{56F9016B-CCA6-43BE-8BEE-59565A35F4F7}" type="datetimeFigureOut">
               <a:rPr kumimoji="1" lang="ja-JP" altLang="en-US" smtClean="0"/>
-              <a:t>2019/7/22</a:t>
+              <a:t>2021/3/2</a:t>
             </a:fld>
             <a:endParaRPr kumimoji="1" lang="ja-JP" altLang="en-US"/>
           </a:p>
@@ -3424,7 +3424,7 @@
           <a:p>
             <a:fld id="{56F9016B-CCA6-43BE-8BEE-59565A35F4F7}" type="datetimeFigureOut">
               <a:rPr kumimoji="1" lang="ja-JP" altLang="en-US" smtClean="0"/>
-              <a:t>2019/7/22</a:t>
+              <a:t>2021/3/2</a:t>
             </a:fld>
             <a:endParaRPr kumimoji="1" lang="ja-JP" altLang="en-US"/>
           </a:p>
@@ -3855,7 +3855,7 @@
           <a:p>
             <a:fld id="{56F9016B-CCA6-43BE-8BEE-59565A35F4F7}" type="datetimeFigureOut">
               <a:rPr kumimoji="1" lang="ja-JP" altLang="en-US" smtClean="0"/>
-              <a:t>2019/7/22</a:t>
+              <a:t>2021/3/2</a:t>
             </a:fld>
             <a:endParaRPr kumimoji="1" lang="ja-JP" altLang="en-US"/>
           </a:p>
@@ -3973,7 +3973,7 @@
           <a:p>
             <a:fld id="{56F9016B-CCA6-43BE-8BEE-59565A35F4F7}" type="datetimeFigureOut">
               <a:rPr kumimoji="1" lang="ja-JP" altLang="en-US" smtClean="0"/>
-              <a:t>2019/7/22</a:t>
+              <a:t>2021/3/2</a:t>
             </a:fld>
             <a:endParaRPr kumimoji="1" lang="ja-JP" altLang="en-US"/>
           </a:p>
@@ -4068,7 +4068,7 @@
           <a:p>
             <a:fld id="{56F9016B-CCA6-43BE-8BEE-59565A35F4F7}" type="datetimeFigureOut">
               <a:rPr kumimoji="1" lang="ja-JP" altLang="en-US" smtClean="0"/>
-              <a:t>2019/7/22</a:t>
+              <a:t>2021/3/2</a:t>
             </a:fld>
             <a:endParaRPr kumimoji="1" lang="ja-JP" altLang="en-US"/>
           </a:p>
@@ -4377,7 +4377,7 @@
           <a:p>
             <a:fld id="{56F9016B-CCA6-43BE-8BEE-59565A35F4F7}" type="datetimeFigureOut">
               <a:rPr kumimoji="1" lang="ja-JP" altLang="en-US" smtClean="0"/>
-              <a:t>2019/7/22</a:t>
+              <a:t>2021/3/2</a:t>
             </a:fld>
             <a:endParaRPr kumimoji="1" lang="ja-JP" altLang="en-US"/>
           </a:p>
@@ -4630,7 +4630,7 @@
           <a:p>
             <a:fld id="{56F9016B-CCA6-43BE-8BEE-59565A35F4F7}" type="datetimeFigureOut">
               <a:rPr kumimoji="1" lang="ja-JP" altLang="en-US" smtClean="0"/>
-              <a:t>2019/7/22</a:t>
+              <a:t>2021/3/2</a:t>
             </a:fld>
             <a:endParaRPr kumimoji="1" lang="ja-JP" altLang="en-US"/>
           </a:p>
@@ -4907,7 +4907,7 @@
           <a:p>
             <a:fld id="{56F9016B-CCA6-43BE-8BEE-59565A35F4F7}" type="datetimeFigureOut">
               <a:rPr kumimoji="1" lang="ja-JP" altLang="en-US" smtClean="0"/>
-              <a:t>2019/7/22</a:t>
+              <a:t>2021/3/2</a:t>
             </a:fld>
             <a:endParaRPr kumimoji="1" lang="ja-JP" altLang="en-US"/>
           </a:p>
@@ -5119,7 +5119,7 @@
           <a:p>
             <a:fld id="{56F9016B-CCA6-43BE-8BEE-59565A35F4F7}" type="datetimeFigureOut">
               <a:rPr kumimoji="1" lang="ja-JP" altLang="en-US" smtClean="0"/>
-              <a:t>2019/7/22</a:t>
+              <a:t>2021/3/2</a:t>
             </a:fld>
             <a:endParaRPr kumimoji="1" lang="ja-JP" altLang="en-US"/>
           </a:p>
@@ -8178,7 +8178,7 @@
           <a:p>
             <a:fld id="{56F9016B-CCA6-43BE-8BEE-59565A35F4F7}" type="datetimeFigureOut">
               <a:rPr kumimoji="1" lang="ja-JP" altLang="en-US" smtClean="0"/>
-              <a:t>2019/7/22</a:t>
+              <a:t>2021/3/2</a:t>
             </a:fld>
             <a:endParaRPr kumimoji="1" lang="ja-JP" altLang="en-US"/>
           </a:p>
@@ -35444,28 +35444,22 @@
       </p:grpSpPr>
       <p:pic>
         <p:nvPicPr>
-          <p:cNvPr id="3" name="図 2"/>
+          <p:cNvPr id="4" name="図 3"/>
           <p:cNvPicPr>
             <a:picLocks noChangeAspect="1"/>
           </p:cNvPicPr>
           <p:nvPr/>
         </p:nvPicPr>
         <p:blipFill>
-          <a:blip r:embed="rId3">
-            <a:extLst>
-              <a:ext uri="{28A0092B-C50C-407E-A947-70E740481C1C}">
-                <a14:useLocalDpi xmlns:a14="http://schemas.microsoft.com/office/drawing/2010/main" val="0"/>
-              </a:ext>
-            </a:extLst>
-          </a:blip>
+          <a:blip r:embed="rId3"/>
           <a:stretch>
             <a:fillRect/>
           </a:stretch>
         </p:blipFill>
         <p:spPr>
           <a:xfrm>
-            <a:off x="1229227" y="2990400"/>
-            <a:ext cx="6679546" cy="3057442"/>
+            <a:off x="1249876" y="2988963"/>
+            <a:ext cx="6675699" cy="3054361"/>
           </a:xfrm>
           <a:prstGeom prst="rect">
             <a:avLst/>
@@ -36968,6 +36962,30 @@
           <a:chExt cx="0" cy="0"/>
         </a:xfrm>
       </p:grpSpPr>
+      <p:pic>
+        <p:nvPicPr>
+          <p:cNvPr id="3" name="図 2"/>
+          <p:cNvPicPr>
+            <a:picLocks noChangeAspect="1"/>
+          </p:cNvPicPr>
+          <p:nvPr/>
+        </p:nvPicPr>
+        <p:blipFill>
+          <a:blip r:embed="rId3"/>
+          <a:stretch>
+            <a:fillRect/>
+          </a:stretch>
+        </p:blipFill>
+        <p:spPr>
+          <a:xfrm>
+            <a:off x="1258798" y="3001081"/>
+            <a:ext cx="5779509" cy="2914141"/>
+          </a:xfrm>
+          <a:prstGeom prst="rect">
+            <a:avLst/>
+          </a:prstGeom>
+        </p:spPr>
+      </p:pic>
       <p:sp>
         <p:nvSpPr>
           <p:cNvPr id="2" name="タイトル 1"/>
@@ -37131,36 +37149,6 @@
           </a:p>
         </p:txBody>
       </p:sp>
-      <p:pic>
-        <p:nvPicPr>
-          <p:cNvPr id="4" name="図 3"/>
-          <p:cNvPicPr>
-            <a:picLocks noChangeAspect="1"/>
-          </p:cNvPicPr>
-          <p:nvPr/>
-        </p:nvPicPr>
-        <p:blipFill>
-          <a:blip r:embed="rId3">
-            <a:extLst>
-              <a:ext uri="{28A0092B-C50C-407E-A947-70E740481C1C}">
-                <a14:useLocalDpi xmlns:a14="http://schemas.microsoft.com/office/drawing/2010/main" val="0"/>
-              </a:ext>
-            </a:extLst>
-          </a:blip>
-          <a:stretch>
-            <a:fillRect/>
-          </a:stretch>
-        </p:blipFill>
-        <p:spPr>
-          <a:xfrm>
-            <a:off x="1259540" y="3006310"/>
-            <a:ext cx="5780291" cy="2914954"/>
-          </a:xfrm>
-          <a:prstGeom prst="rect">
-            <a:avLst/>
-          </a:prstGeom>
-        </p:spPr>
-      </p:pic>
       <p:sp>
         <p:nvSpPr>
           <p:cNvPr id="11" name="角丸四角形 10"/>
@@ -43842,28 +43830,22 @@
       </p:grpSpPr>
       <p:pic>
         <p:nvPicPr>
-          <p:cNvPr id="20" name="図 19"/>
+          <p:cNvPr id="4" name="図 3"/>
           <p:cNvPicPr>
             <a:picLocks noChangeAspect="1"/>
           </p:cNvPicPr>
           <p:nvPr/>
         </p:nvPicPr>
         <p:blipFill>
-          <a:blip r:embed="rId3">
-            <a:extLst>
-              <a:ext uri="{28A0092B-C50C-407E-A947-70E740481C1C}">
-                <a14:useLocalDpi xmlns:a14="http://schemas.microsoft.com/office/drawing/2010/main" val="0"/>
-              </a:ext>
-            </a:extLst>
-          </a:blip>
+          <a:blip r:embed="rId3"/>
           <a:stretch>
             <a:fillRect/>
           </a:stretch>
         </p:blipFill>
         <p:spPr>
           <a:xfrm>
-            <a:off x="933201" y="4936977"/>
-            <a:ext cx="4224954" cy="959827"/>
+            <a:off x="924495" y="4931453"/>
+            <a:ext cx="4224894" cy="969348"/>
           </a:xfrm>
           <a:prstGeom prst="rect">
             <a:avLst/>
@@ -44036,6 +44018,288 @@
               <a:t>を確認することが可能です。 </a:t>
             </a:r>
             <a:endParaRPr lang="en-US" altLang="ja-JP" sz="1600" dirty="0" smtClean="0"/>
+          </a:p>
+        </p:txBody>
+      </p:sp>
+      <p:pic>
+        <p:nvPicPr>
+          <p:cNvPr id="3" name="図 2"/>
+          <p:cNvPicPr>
+            <a:picLocks noChangeAspect="1"/>
+          </p:cNvPicPr>
+          <p:nvPr/>
+        </p:nvPicPr>
+        <p:blipFill>
+          <a:blip r:embed="rId4">
+            <a:extLst>
+              <a:ext uri="{28A0092B-C50C-407E-A947-70E740481C1C}">
+                <a14:useLocalDpi xmlns:a14="http://schemas.microsoft.com/office/drawing/2010/main" val="0"/>
+              </a:ext>
+            </a:extLst>
+          </a:blip>
+          <a:stretch>
+            <a:fillRect/>
+          </a:stretch>
+        </p:blipFill>
+        <p:spPr>
+          <a:xfrm>
+            <a:off x="5213303" y="4684035"/>
+            <a:ext cx="3218748" cy="1604729"/>
+          </a:xfrm>
+          <a:prstGeom prst="rect">
+            <a:avLst/>
+          </a:prstGeom>
+        </p:spPr>
+      </p:pic>
+      <p:sp>
+        <p:nvSpPr>
+          <p:cNvPr id="13" name="テキスト ボックス 12"/>
+          <p:cNvSpPr txBox="1"/>
+          <p:nvPr/>
+        </p:nvSpPr>
+        <p:spPr>
+          <a:xfrm>
+            <a:off x="5356577" y="4403274"/>
+            <a:ext cx="2055905" cy="276999"/>
+          </a:xfrm>
+          <a:prstGeom prst="rect">
+            <a:avLst/>
+          </a:prstGeom>
+          <a:noFill/>
+        </p:spPr>
+        <p:txBody>
+          <a:bodyPr wrap="square" rtlCol="0">
+            <a:spAutoFit/>
+          </a:bodyPr>
+          <a:lstStyle/>
+          <a:p>
+            <a:r>
+              <a:rPr lang="ja-JP" altLang="en-US" sz="1200" b="1" dirty="0"/>
+              <a:t> </a:t>
+            </a:r>
+            <a:r>
+              <a:rPr lang="en-US" altLang="ja-JP" sz="1200" b="1" dirty="0" smtClean="0"/>
+              <a:t>Symphony</a:t>
+            </a:r>
+            <a:r>
+              <a:rPr lang="ja-JP" altLang="en-US" sz="1200" b="1" dirty="0" smtClean="0"/>
+              <a:t>作業</a:t>
+            </a:r>
+            <a:r>
+              <a:rPr lang="ja-JP" altLang="en-US" sz="1200" b="1" dirty="0"/>
+              <a:t>確認</a:t>
+            </a:r>
+            <a:r>
+              <a:rPr kumimoji="1" lang="ja-JP" altLang="en-US" sz="1200" b="1" dirty="0" smtClean="0"/>
+              <a:t>画面</a:t>
+            </a:r>
+            <a:endParaRPr kumimoji="1" lang="ja-JP" altLang="en-US" sz="1200" b="1" dirty="0"/>
+          </a:p>
+        </p:txBody>
+      </p:sp>
+      <p:pic>
+        <p:nvPicPr>
+          <p:cNvPr id="12" name="図 11"/>
+          <p:cNvPicPr>
+            <a:picLocks noChangeAspect="1"/>
+          </p:cNvPicPr>
+          <p:nvPr/>
+        </p:nvPicPr>
+        <p:blipFill>
+          <a:blip r:embed="rId5">
+            <a:extLst>
+              <a:ext uri="{28A0092B-C50C-407E-A947-70E740481C1C}">
+                <a14:useLocalDpi xmlns:a14="http://schemas.microsoft.com/office/drawing/2010/main" val="0"/>
+              </a:ext>
+            </a:extLst>
+          </a:blip>
+          <a:stretch>
+            <a:fillRect/>
+          </a:stretch>
+        </p:blipFill>
+        <p:spPr>
+          <a:xfrm>
+            <a:off x="933201" y="2736908"/>
+            <a:ext cx="4240223" cy="2200069"/>
+          </a:xfrm>
+          <a:prstGeom prst="rect">
+            <a:avLst/>
+          </a:prstGeom>
+        </p:spPr>
+      </p:pic>
+      <p:sp>
+        <p:nvSpPr>
+          <p:cNvPr id="5" name="角丸四角形 4"/>
+          <p:cNvSpPr/>
+          <p:nvPr/>
+        </p:nvSpPr>
+        <p:spPr bwMode="auto">
+          <a:xfrm>
+            <a:off x="924233" y="4664609"/>
+            <a:ext cx="631517" cy="148691"/>
+          </a:xfrm>
+          <a:prstGeom prst="roundRect">
+            <a:avLst>
+              <a:gd name="adj" fmla="val 5764"/>
+            </a:avLst>
+          </a:prstGeom>
+          <a:noFill/>
+          <a:ln w="28575">
+            <a:solidFill>
+              <a:srgbClr val="FF0000"/>
+            </a:solidFill>
+          </a:ln>
+          <a:effectLst/>
+          <a:extLst/>
+        </p:spPr>
+        <p:txBody>
+          <a:bodyPr rot="0" spcFirstLastPara="0" vertOverflow="overflow" horzOverflow="overflow" vert="horz" wrap="none" lIns="72000" tIns="72000" rIns="72000" bIns="72000" numCol="1" spcCol="0" rtlCol="0" fromWordArt="0" anchor="ctr" anchorCtr="0" forceAA="0" compatLnSpc="1">
+            <a:prstTxWarp prst="textNoShape">
+              <a:avLst/>
+            </a:prstTxWarp>
+            <a:noAutofit/>
+          </a:bodyPr>
+          <a:lstStyle/>
+          <a:p>
+            <a:pPr algn="ctr"/>
+            <a:endParaRPr kumimoji="1" lang="ja-JP" altLang="en-US" sz="1400" b="1" dirty="0" smtClean="0">
+              <a:solidFill>
+                <a:srgbClr val="FF0000"/>
+              </a:solidFill>
+              <a:latin typeface="+mn-ea"/>
+            </a:endParaRPr>
+          </a:p>
+        </p:txBody>
+      </p:sp>
+      <p:sp>
+        <p:nvSpPr>
+          <p:cNvPr id="17" name="角丸四角形 16"/>
+          <p:cNvSpPr/>
+          <p:nvPr/>
+        </p:nvSpPr>
+        <p:spPr bwMode="auto">
+          <a:xfrm>
+            <a:off x="2428418" y="2757237"/>
+            <a:ext cx="3228759" cy="488917"/>
+          </a:xfrm>
+          <a:prstGeom prst="roundRect">
+            <a:avLst/>
+          </a:prstGeom>
+          <a:solidFill>
+            <a:schemeClr val="bg2"/>
+          </a:solidFill>
+          <a:ln w="19050">
+            <a:solidFill>
+              <a:srgbClr val="FF0000"/>
+            </a:solidFill>
+          </a:ln>
+          <a:effectLst/>
+          <a:extLst/>
+        </p:spPr>
+        <p:txBody>
+          <a:bodyPr rot="0" spcFirstLastPara="0" vertOverflow="overflow" horzOverflow="overflow" vert="horz" wrap="none" lIns="72000" tIns="72000" rIns="72000" bIns="72000" numCol="1" spcCol="0" rtlCol="0" fromWordArt="0" anchor="t" anchorCtr="0" forceAA="0" compatLnSpc="1">
+            <a:prstTxWarp prst="textNoShape">
+              <a:avLst/>
+            </a:prstTxWarp>
+            <a:noAutofit/>
+          </a:bodyPr>
+          <a:lstStyle/>
+          <a:p>
+            <a:r>
+              <a:rPr lang="ja-JP" altLang="en-US" sz="1100" b="1" dirty="0" smtClean="0">
+                <a:solidFill>
+                  <a:srgbClr val="FF0000"/>
+                </a:solidFill>
+                <a:latin typeface="+mn-ea"/>
+              </a:rPr>
+              <a:t>過去</a:t>
+            </a:r>
+            <a:r>
+              <a:rPr lang="ja-JP" altLang="en-US" sz="1100" b="1" dirty="0">
+                <a:solidFill>
+                  <a:srgbClr val="FF0000"/>
+                </a:solidFill>
+                <a:latin typeface="+mn-ea"/>
+              </a:rPr>
+              <a:t>の</a:t>
+            </a:r>
+            <a:r>
+              <a:rPr lang="en-US" altLang="ja-JP" sz="1100" b="1" dirty="0" smtClean="0">
+                <a:solidFill>
+                  <a:srgbClr val="FF0000"/>
+                </a:solidFill>
+                <a:latin typeface="+mn-ea"/>
+              </a:rPr>
+              <a:t>Symphony</a:t>
+            </a:r>
+            <a:r>
+              <a:rPr lang="ja-JP" altLang="en-US" sz="1100" b="1" dirty="0">
+                <a:solidFill>
+                  <a:srgbClr val="FF0000"/>
+                </a:solidFill>
+                <a:latin typeface="+mn-ea"/>
+              </a:rPr>
+              <a:t>実行結果の</a:t>
+            </a:r>
+            <a:r>
+              <a:rPr lang="ja-JP" altLang="en-US" sz="1100" b="1" dirty="0" smtClean="0">
+                <a:solidFill>
+                  <a:srgbClr val="FF0000"/>
+                </a:solidFill>
+                <a:latin typeface="+mn-ea"/>
+              </a:rPr>
+              <a:t>ステータス割合</a:t>
+            </a:r>
+            <a:r>
+              <a:rPr lang="ja-JP" altLang="en-US" sz="1100" b="1" dirty="0">
+                <a:solidFill>
+                  <a:srgbClr val="FF0000"/>
+                </a:solidFill>
+                <a:latin typeface="+mn-ea"/>
+              </a:rPr>
+              <a:t>が</a:t>
+            </a:r>
+          </a:p>
+          <a:p>
+            <a:r>
+              <a:rPr lang="ja-JP" altLang="en-US" sz="1100" b="1" dirty="0" smtClean="0">
+                <a:solidFill>
+                  <a:srgbClr val="FF0000"/>
+                </a:solidFill>
+                <a:latin typeface="+mn-ea"/>
+              </a:rPr>
+              <a:t>グラフ</a:t>
+            </a:r>
+            <a:r>
+              <a:rPr lang="ja-JP" altLang="en-US" sz="1100" b="1" dirty="0">
+                <a:solidFill>
+                  <a:srgbClr val="FF0000"/>
+                </a:solidFill>
+                <a:latin typeface="+mn-ea"/>
+              </a:rPr>
+              <a:t>で</a:t>
+            </a:r>
+            <a:r>
+              <a:rPr lang="ja-JP" altLang="en-US" sz="1100" b="1" dirty="0" smtClean="0">
+                <a:solidFill>
+                  <a:srgbClr val="FF0000"/>
+                </a:solidFill>
+                <a:latin typeface="+mn-ea"/>
+              </a:rPr>
+              <a:t>表示</a:t>
+            </a:r>
+            <a:r>
+              <a:rPr lang="ja-JP" altLang="en-US" sz="1100" b="1" dirty="0">
+                <a:solidFill>
+                  <a:srgbClr val="FF0000"/>
+                </a:solidFill>
+                <a:latin typeface="+mn-ea"/>
+              </a:rPr>
+              <a:t>されます</a:t>
+            </a:r>
+            <a:endParaRPr lang="en-US" altLang="ja-JP" sz="1100" b="1" dirty="0">
+              <a:latin typeface="+mn-ea"/>
+            </a:endParaRPr>
           </a:p>
         </p:txBody>
       </p:sp>
@@ -44338,36 +44602,6 @@
           </p:txBody>
         </p:sp>
       </p:grpSp>
-      <p:pic>
-        <p:nvPicPr>
-          <p:cNvPr id="3" name="図 2"/>
-          <p:cNvPicPr>
-            <a:picLocks noChangeAspect="1"/>
-          </p:cNvPicPr>
-          <p:nvPr/>
-        </p:nvPicPr>
-        <p:blipFill>
-          <a:blip r:embed="rId4">
-            <a:extLst>
-              <a:ext uri="{28A0092B-C50C-407E-A947-70E740481C1C}">
-                <a14:useLocalDpi xmlns:a14="http://schemas.microsoft.com/office/drawing/2010/main" val="0"/>
-              </a:ext>
-            </a:extLst>
-          </a:blip>
-          <a:stretch>
-            <a:fillRect/>
-          </a:stretch>
-        </p:blipFill>
-        <p:spPr>
-          <a:xfrm>
-            <a:off x="5213303" y="4684035"/>
-            <a:ext cx="3218748" cy="1604729"/>
-          </a:xfrm>
-          <a:prstGeom prst="rect">
-            <a:avLst/>
-          </a:prstGeom>
-        </p:spPr>
-      </p:pic>
       <p:sp>
         <p:nvSpPr>
           <p:cNvPr id="11" name="角丸四角形 10"/>
@@ -44407,258 +44641,6 @@
               <a:solidFill>
                 <a:srgbClr val="FF0000"/>
               </a:solidFill>
-              <a:latin typeface="+mn-ea"/>
-            </a:endParaRPr>
-          </a:p>
-        </p:txBody>
-      </p:sp>
-      <p:sp>
-        <p:nvSpPr>
-          <p:cNvPr id="13" name="テキスト ボックス 12"/>
-          <p:cNvSpPr txBox="1"/>
-          <p:nvPr/>
-        </p:nvSpPr>
-        <p:spPr>
-          <a:xfrm>
-            <a:off x="5356577" y="4403274"/>
-            <a:ext cx="2055905" cy="276999"/>
-          </a:xfrm>
-          <a:prstGeom prst="rect">
-            <a:avLst/>
-          </a:prstGeom>
-          <a:noFill/>
-        </p:spPr>
-        <p:txBody>
-          <a:bodyPr wrap="square" rtlCol="0">
-            <a:spAutoFit/>
-          </a:bodyPr>
-          <a:lstStyle/>
-          <a:p>
-            <a:r>
-              <a:rPr lang="ja-JP" altLang="en-US" sz="1200" b="1" dirty="0"/>
-              <a:t> </a:t>
-            </a:r>
-            <a:r>
-              <a:rPr lang="en-US" altLang="ja-JP" sz="1200" b="1" dirty="0" smtClean="0"/>
-              <a:t>Symphony</a:t>
-            </a:r>
-            <a:r>
-              <a:rPr lang="ja-JP" altLang="en-US" sz="1200" b="1" dirty="0" smtClean="0"/>
-              <a:t>作業</a:t>
-            </a:r>
-            <a:r>
-              <a:rPr lang="ja-JP" altLang="en-US" sz="1200" b="1" dirty="0"/>
-              <a:t>確認</a:t>
-            </a:r>
-            <a:r>
-              <a:rPr kumimoji="1" lang="ja-JP" altLang="en-US" sz="1200" b="1" dirty="0" smtClean="0"/>
-              <a:t>画面</a:t>
-            </a:r>
-            <a:endParaRPr kumimoji="1" lang="ja-JP" altLang="en-US" sz="1200" b="1" dirty="0"/>
-          </a:p>
-        </p:txBody>
-      </p:sp>
-      <p:pic>
-        <p:nvPicPr>
-          <p:cNvPr id="12" name="図 11"/>
-          <p:cNvPicPr>
-            <a:picLocks noChangeAspect="1"/>
-          </p:cNvPicPr>
-          <p:nvPr/>
-        </p:nvPicPr>
-        <p:blipFill>
-          <a:blip r:embed="rId5">
-            <a:extLst>
-              <a:ext uri="{28A0092B-C50C-407E-A947-70E740481C1C}">
-                <a14:useLocalDpi xmlns:a14="http://schemas.microsoft.com/office/drawing/2010/main" val="0"/>
-              </a:ext>
-            </a:extLst>
-          </a:blip>
-          <a:stretch>
-            <a:fillRect/>
-          </a:stretch>
-        </p:blipFill>
-        <p:spPr>
-          <a:xfrm>
-            <a:off x="933201" y="2736908"/>
-            <a:ext cx="4240223" cy="2200069"/>
-          </a:xfrm>
-          <a:prstGeom prst="rect">
-            <a:avLst/>
-          </a:prstGeom>
-        </p:spPr>
-      </p:pic>
-      <p:sp>
-        <p:nvSpPr>
-          <p:cNvPr id="5" name="角丸四角形 4"/>
-          <p:cNvSpPr/>
-          <p:nvPr/>
-        </p:nvSpPr>
-        <p:spPr bwMode="auto">
-          <a:xfrm>
-            <a:off x="924233" y="4664609"/>
-            <a:ext cx="631517" cy="148691"/>
-          </a:xfrm>
-          <a:prstGeom prst="roundRect">
-            <a:avLst>
-              <a:gd name="adj" fmla="val 5764"/>
-            </a:avLst>
-          </a:prstGeom>
-          <a:noFill/>
-          <a:ln w="28575">
-            <a:solidFill>
-              <a:srgbClr val="FF0000"/>
-            </a:solidFill>
-          </a:ln>
-          <a:effectLst/>
-          <a:extLst/>
-        </p:spPr>
-        <p:txBody>
-          <a:bodyPr rot="0" spcFirstLastPara="0" vertOverflow="overflow" horzOverflow="overflow" vert="horz" wrap="none" lIns="72000" tIns="72000" rIns="72000" bIns="72000" numCol="1" spcCol="0" rtlCol="0" fromWordArt="0" anchor="ctr" anchorCtr="0" forceAA="0" compatLnSpc="1">
-            <a:prstTxWarp prst="textNoShape">
-              <a:avLst/>
-            </a:prstTxWarp>
-            <a:noAutofit/>
-          </a:bodyPr>
-          <a:lstStyle/>
-          <a:p>
-            <a:pPr algn="ctr"/>
-            <a:endParaRPr kumimoji="1" lang="ja-JP" altLang="en-US" sz="1400" b="1" dirty="0" smtClean="0">
-              <a:solidFill>
-                <a:srgbClr val="FF0000"/>
-              </a:solidFill>
-              <a:latin typeface="+mn-ea"/>
-            </a:endParaRPr>
-          </a:p>
-        </p:txBody>
-      </p:sp>
-      <p:sp>
-        <p:nvSpPr>
-          <p:cNvPr id="17" name="角丸四角形 16"/>
-          <p:cNvSpPr/>
-          <p:nvPr/>
-        </p:nvSpPr>
-        <p:spPr bwMode="auto">
-          <a:xfrm>
-            <a:off x="2428418" y="2757237"/>
-            <a:ext cx="3228759" cy="488917"/>
-          </a:xfrm>
-          <a:prstGeom prst="roundRect">
-            <a:avLst/>
-          </a:prstGeom>
-          <a:solidFill>
-            <a:schemeClr val="bg2"/>
-          </a:solidFill>
-          <a:ln w="19050">
-            <a:solidFill>
-              <a:srgbClr val="FF0000"/>
-            </a:solidFill>
-          </a:ln>
-          <a:effectLst/>
-          <a:extLst/>
-        </p:spPr>
-        <p:txBody>
-          <a:bodyPr rot="0" spcFirstLastPara="0" vertOverflow="overflow" horzOverflow="overflow" vert="horz" wrap="none" lIns="72000" tIns="72000" rIns="72000" bIns="72000" numCol="1" spcCol="0" rtlCol="0" fromWordArt="0" anchor="t" anchorCtr="0" forceAA="0" compatLnSpc="1">
-            <a:prstTxWarp prst="textNoShape">
-              <a:avLst/>
-            </a:prstTxWarp>
-            <a:noAutofit/>
-          </a:bodyPr>
-          <a:lstStyle/>
-          <a:p>
-            <a:r>
-              <a:rPr lang="ja-JP" altLang="en-US" sz="1100" b="1" dirty="0" smtClean="0">
-                <a:solidFill>
-                  <a:srgbClr val="FF0000"/>
-                </a:solidFill>
-                <a:latin typeface="+mn-ea"/>
-              </a:rPr>
-              <a:t>過去</a:t>
-            </a:r>
-            <a:r>
-              <a:rPr lang="ja-JP" altLang="en-US" sz="1100" b="1" dirty="0">
-                <a:solidFill>
-                  <a:srgbClr val="FF0000"/>
-                </a:solidFill>
-                <a:latin typeface="+mn-ea"/>
-              </a:rPr>
-              <a:t>の</a:t>
-            </a:r>
-            <a:r>
-              <a:rPr lang="en-US" altLang="ja-JP" sz="1100" b="1" dirty="0" smtClean="0">
-                <a:solidFill>
-                  <a:srgbClr val="FF0000"/>
-                </a:solidFill>
-                <a:latin typeface="+mn-ea"/>
-              </a:rPr>
-              <a:t>Symphony</a:t>
-            </a:r>
-            <a:r>
-              <a:rPr lang="ja-JP" altLang="en-US" sz="1100" b="1" dirty="0">
-                <a:solidFill>
-                  <a:srgbClr val="FF0000"/>
-                </a:solidFill>
-                <a:latin typeface="+mn-ea"/>
-              </a:rPr>
-              <a:t>実行結果の</a:t>
-            </a:r>
-            <a:r>
-              <a:rPr lang="ja-JP" altLang="en-US" sz="1100" b="1" dirty="0" smtClean="0">
-                <a:solidFill>
-                  <a:srgbClr val="FF0000"/>
-                </a:solidFill>
-                <a:latin typeface="+mn-ea"/>
-              </a:rPr>
-              <a:t>ステータス割合</a:t>
-            </a:r>
-            <a:r>
-              <a:rPr lang="ja-JP" altLang="en-US" sz="1100" b="1" dirty="0">
-                <a:solidFill>
-                  <a:srgbClr val="FF0000"/>
-                </a:solidFill>
-                <a:latin typeface="+mn-ea"/>
-              </a:rPr>
-              <a:t>が</a:t>
-            </a:r>
-          </a:p>
-          <a:p>
-            <a:r>
-              <a:rPr lang="ja-JP" altLang="en-US" sz="1100" b="1" dirty="0" smtClean="0">
-                <a:solidFill>
-                  <a:srgbClr val="FF0000"/>
-                </a:solidFill>
-                <a:latin typeface="+mn-ea"/>
-              </a:rPr>
-              <a:t>グラフ</a:t>
-            </a:r>
-            <a:r>
-              <a:rPr lang="ja-JP" altLang="en-US" sz="1100" b="1" dirty="0">
-                <a:solidFill>
-                  <a:srgbClr val="FF0000"/>
-                </a:solidFill>
-                <a:latin typeface="+mn-ea"/>
-              </a:rPr>
-              <a:t>で</a:t>
-            </a:r>
-            <a:r>
-              <a:rPr lang="ja-JP" altLang="en-US" sz="1100" b="1" dirty="0" smtClean="0">
-                <a:solidFill>
-                  <a:srgbClr val="FF0000"/>
-                </a:solidFill>
-                <a:latin typeface="+mn-ea"/>
-              </a:rPr>
-              <a:t>表示</a:t>
-            </a:r>
-            <a:r>
-              <a:rPr lang="ja-JP" altLang="en-US" sz="1100" b="1" dirty="0">
-                <a:solidFill>
-                  <a:srgbClr val="FF0000"/>
-                </a:solidFill>
-                <a:latin typeface="+mn-ea"/>
-              </a:rPr>
-              <a:t>されます</a:t>
-            </a:r>
-            <a:endParaRPr lang="en-US" altLang="ja-JP" sz="1100" b="1" dirty="0">
               <a:latin typeface="+mn-ea"/>
             </a:endParaRPr>
           </a:p>

--- a/asset/Learn_ja/ITA-base_classroom lecture_ja.pptx
+++ b/asset/Learn_ja/ITA-base_classroom lecture_ja.pptx
@@ -336,7 +336,7 @@
               <a:rPr kumimoji="1" lang="ja-JP" altLang="en-US" smtClean="0">
                 <a:ea typeface="メイリオ" panose="020B0604030504040204" pitchFamily="50" charset="-128"/>
               </a:rPr>
-              <a:t>2019/7/22</a:t>
+              <a:t>2021/3/2</a:t>
             </a:fld>
             <a:endParaRPr kumimoji="1" lang="ja-JP" altLang="en-US" dirty="0">
               <a:ea typeface="メイリオ" panose="020B0604030504040204" pitchFamily="50" charset="-128"/>
@@ -482,7 +482,7 @@
             <a:fld id="{4B26993D-C081-44EB-B0F5-A9F467792B62}" type="datetimeFigureOut">
               <a:rPr lang="ja-JP" altLang="en-US" smtClean="0"/>
               <a:pPr/>
-              <a:t>2019/7/22</a:t>
+              <a:t>2021/3/2</a:t>
             </a:fld>
             <a:endParaRPr lang="ja-JP" altLang="en-US" dirty="0"/>
           </a:p>
@@ -2680,7 +2680,7 @@
           <a:p>
             <a:fld id="{56F9016B-CCA6-43BE-8BEE-59565A35F4F7}" type="datetimeFigureOut">
               <a:rPr kumimoji="1" lang="ja-JP" altLang="en-US" smtClean="0"/>
-              <a:t>2019/7/22</a:t>
+              <a:t>2021/3/2</a:t>
             </a:fld>
             <a:endParaRPr kumimoji="1" lang="ja-JP" altLang="en-US"/>
           </a:p>
@@ -2882,7 +2882,7 @@
           <a:p>
             <a:fld id="{56F9016B-CCA6-43BE-8BEE-59565A35F4F7}" type="datetimeFigureOut">
               <a:rPr kumimoji="1" lang="ja-JP" altLang="en-US" smtClean="0"/>
-              <a:t>2019/7/22</a:t>
+              <a:t>2021/3/2</a:t>
             </a:fld>
             <a:endParaRPr kumimoji="1" lang="ja-JP" altLang="en-US"/>
           </a:p>
@@ -3128,7 +3128,7 @@
           <a:p>
             <a:fld id="{56F9016B-CCA6-43BE-8BEE-59565A35F4F7}" type="datetimeFigureOut">
               <a:rPr kumimoji="1" lang="ja-JP" altLang="en-US" smtClean="0"/>
-              <a:t>2019/7/22</a:t>
+              <a:t>2021/3/2</a:t>
             </a:fld>
             <a:endParaRPr kumimoji="1" lang="ja-JP" altLang="en-US"/>
           </a:p>
@@ -3424,7 +3424,7 @@
           <a:p>
             <a:fld id="{56F9016B-CCA6-43BE-8BEE-59565A35F4F7}" type="datetimeFigureOut">
               <a:rPr kumimoji="1" lang="ja-JP" altLang="en-US" smtClean="0"/>
-              <a:t>2019/7/22</a:t>
+              <a:t>2021/3/2</a:t>
             </a:fld>
             <a:endParaRPr kumimoji="1" lang="ja-JP" altLang="en-US"/>
           </a:p>
@@ -3855,7 +3855,7 @@
           <a:p>
             <a:fld id="{56F9016B-CCA6-43BE-8BEE-59565A35F4F7}" type="datetimeFigureOut">
               <a:rPr kumimoji="1" lang="ja-JP" altLang="en-US" smtClean="0"/>
-              <a:t>2019/7/22</a:t>
+              <a:t>2021/3/2</a:t>
             </a:fld>
             <a:endParaRPr kumimoji="1" lang="ja-JP" altLang="en-US"/>
           </a:p>
@@ -3973,7 +3973,7 @@
           <a:p>
             <a:fld id="{56F9016B-CCA6-43BE-8BEE-59565A35F4F7}" type="datetimeFigureOut">
               <a:rPr kumimoji="1" lang="ja-JP" altLang="en-US" smtClean="0"/>
-              <a:t>2019/7/22</a:t>
+              <a:t>2021/3/2</a:t>
             </a:fld>
             <a:endParaRPr kumimoji="1" lang="ja-JP" altLang="en-US"/>
           </a:p>
@@ -4068,7 +4068,7 @@
           <a:p>
             <a:fld id="{56F9016B-CCA6-43BE-8BEE-59565A35F4F7}" type="datetimeFigureOut">
               <a:rPr kumimoji="1" lang="ja-JP" altLang="en-US" smtClean="0"/>
-              <a:t>2019/7/22</a:t>
+              <a:t>2021/3/2</a:t>
             </a:fld>
             <a:endParaRPr kumimoji="1" lang="ja-JP" altLang="en-US"/>
           </a:p>
@@ -4377,7 +4377,7 @@
           <a:p>
             <a:fld id="{56F9016B-CCA6-43BE-8BEE-59565A35F4F7}" type="datetimeFigureOut">
               <a:rPr kumimoji="1" lang="ja-JP" altLang="en-US" smtClean="0"/>
-              <a:t>2019/7/22</a:t>
+              <a:t>2021/3/2</a:t>
             </a:fld>
             <a:endParaRPr kumimoji="1" lang="ja-JP" altLang="en-US"/>
           </a:p>
@@ -4630,7 +4630,7 @@
           <a:p>
             <a:fld id="{56F9016B-CCA6-43BE-8BEE-59565A35F4F7}" type="datetimeFigureOut">
               <a:rPr kumimoji="1" lang="ja-JP" altLang="en-US" smtClean="0"/>
-              <a:t>2019/7/22</a:t>
+              <a:t>2021/3/2</a:t>
             </a:fld>
             <a:endParaRPr kumimoji="1" lang="ja-JP" altLang="en-US"/>
           </a:p>
@@ -4907,7 +4907,7 @@
           <a:p>
             <a:fld id="{56F9016B-CCA6-43BE-8BEE-59565A35F4F7}" type="datetimeFigureOut">
               <a:rPr kumimoji="1" lang="ja-JP" altLang="en-US" smtClean="0"/>
-              <a:t>2019/7/22</a:t>
+              <a:t>2021/3/2</a:t>
             </a:fld>
             <a:endParaRPr kumimoji="1" lang="ja-JP" altLang="en-US"/>
           </a:p>
@@ -5119,7 +5119,7 @@
           <a:p>
             <a:fld id="{56F9016B-CCA6-43BE-8BEE-59565A35F4F7}" type="datetimeFigureOut">
               <a:rPr kumimoji="1" lang="ja-JP" altLang="en-US" smtClean="0"/>
-              <a:t>2019/7/22</a:t>
+              <a:t>2021/3/2</a:t>
             </a:fld>
             <a:endParaRPr kumimoji="1" lang="ja-JP" altLang="en-US"/>
           </a:p>
@@ -8178,7 +8178,7 @@
           <a:p>
             <a:fld id="{56F9016B-CCA6-43BE-8BEE-59565A35F4F7}" type="datetimeFigureOut">
               <a:rPr kumimoji="1" lang="ja-JP" altLang="en-US" smtClean="0"/>
-              <a:t>2019/7/22</a:t>
+              <a:t>2021/3/2</a:t>
             </a:fld>
             <a:endParaRPr kumimoji="1" lang="ja-JP" altLang="en-US"/>
           </a:p>
@@ -35444,28 +35444,22 @@
       </p:grpSpPr>
       <p:pic>
         <p:nvPicPr>
-          <p:cNvPr id="3" name="図 2"/>
+          <p:cNvPr id="4" name="図 3"/>
           <p:cNvPicPr>
             <a:picLocks noChangeAspect="1"/>
           </p:cNvPicPr>
           <p:nvPr/>
         </p:nvPicPr>
         <p:blipFill>
-          <a:blip r:embed="rId3">
-            <a:extLst>
-              <a:ext uri="{28A0092B-C50C-407E-A947-70E740481C1C}">
-                <a14:useLocalDpi xmlns:a14="http://schemas.microsoft.com/office/drawing/2010/main" val="0"/>
-              </a:ext>
-            </a:extLst>
-          </a:blip>
+          <a:blip r:embed="rId3"/>
           <a:stretch>
             <a:fillRect/>
           </a:stretch>
         </p:blipFill>
         <p:spPr>
           <a:xfrm>
-            <a:off x="1229227" y="2990400"/>
-            <a:ext cx="6679546" cy="3057442"/>
+            <a:off x="1251168" y="2996940"/>
+            <a:ext cx="6675699" cy="3054361"/>
           </a:xfrm>
           <a:prstGeom prst="rect">
             <a:avLst/>
@@ -36968,6 +36962,30 @@
           <a:chExt cx="0" cy="0"/>
         </a:xfrm>
       </p:grpSpPr>
+      <p:pic>
+        <p:nvPicPr>
+          <p:cNvPr id="3" name="図 2"/>
+          <p:cNvPicPr>
+            <a:picLocks noChangeAspect="1"/>
+          </p:cNvPicPr>
+          <p:nvPr/>
+        </p:nvPicPr>
+        <p:blipFill>
+          <a:blip r:embed="rId3"/>
+          <a:stretch>
+            <a:fillRect/>
+          </a:stretch>
+        </p:blipFill>
+        <p:spPr>
+          <a:xfrm>
+            <a:off x="1258798" y="3010019"/>
+            <a:ext cx="5779509" cy="2914141"/>
+          </a:xfrm>
+          <a:prstGeom prst="rect">
+            <a:avLst/>
+          </a:prstGeom>
+        </p:spPr>
+      </p:pic>
       <p:sp>
         <p:nvSpPr>
           <p:cNvPr id="2" name="タイトル 1"/>
@@ -37131,36 +37149,6 @@
           </a:p>
         </p:txBody>
       </p:sp>
-      <p:pic>
-        <p:nvPicPr>
-          <p:cNvPr id="4" name="図 3"/>
-          <p:cNvPicPr>
-            <a:picLocks noChangeAspect="1"/>
-          </p:cNvPicPr>
-          <p:nvPr/>
-        </p:nvPicPr>
-        <p:blipFill>
-          <a:blip r:embed="rId3">
-            <a:extLst>
-              <a:ext uri="{28A0092B-C50C-407E-A947-70E740481C1C}">
-                <a14:useLocalDpi xmlns:a14="http://schemas.microsoft.com/office/drawing/2010/main" val="0"/>
-              </a:ext>
-            </a:extLst>
-          </a:blip>
-          <a:stretch>
-            <a:fillRect/>
-          </a:stretch>
-        </p:blipFill>
-        <p:spPr>
-          <a:xfrm>
-            <a:off x="1259540" y="3006310"/>
-            <a:ext cx="5780291" cy="2914954"/>
-          </a:xfrm>
-          <a:prstGeom prst="rect">
-            <a:avLst/>
-          </a:prstGeom>
-        </p:spPr>
-      </p:pic>
       <p:sp>
         <p:nvSpPr>
           <p:cNvPr id="11" name="角丸四角形 10"/>
@@ -43842,28 +43830,22 @@
       </p:grpSpPr>
       <p:pic>
         <p:nvPicPr>
-          <p:cNvPr id="20" name="図 19"/>
+          <p:cNvPr id="4" name="図 3"/>
           <p:cNvPicPr>
             <a:picLocks noChangeAspect="1"/>
           </p:cNvPicPr>
           <p:nvPr/>
         </p:nvPicPr>
         <p:blipFill>
-          <a:blip r:embed="rId3">
-            <a:extLst>
-              <a:ext uri="{28A0092B-C50C-407E-A947-70E740481C1C}">
-                <a14:useLocalDpi xmlns:a14="http://schemas.microsoft.com/office/drawing/2010/main" val="0"/>
-              </a:ext>
-            </a:extLst>
-          </a:blip>
+          <a:blip r:embed="rId3"/>
           <a:stretch>
             <a:fillRect/>
           </a:stretch>
         </p:blipFill>
         <p:spPr>
           <a:xfrm>
-            <a:off x="933201" y="4936977"/>
-            <a:ext cx="4224954" cy="959827"/>
+            <a:off x="922653" y="4935186"/>
+            <a:ext cx="4224894" cy="957155"/>
           </a:xfrm>
           <a:prstGeom prst="rect">
             <a:avLst/>
@@ -44036,6 +44018,288 @@
               <a:t>を確認することが可能です。 </a:t>
             </a:r>
             <a:endParaRPr lang="en-US" altLang="ja-JP" sz="1600" dirty="0" smtClean="0"/>
+          </a:p>
+        </p:txBody>
+      </p:sp>
+      <p:pic>
+        <p:nvPicPr>
+          <p:cNvPr id="3" name="図 2"/>
+          <p:cNvPicPr>
+            <a:picLocks noChangeAspect="1"/>
+          </p:cNvPicPr>
+          <p:nvPr/>
+        </p:nvPicPr>
+        <p:blipFill>
+          <a:blip r:embed="rId4">
+            <a:extLst>
+              <a:ext uri="{28A0092B-C50C-407E-A947-70E740481C1C}">
+                <a14:useLocalDpi xmlns:a14="http://schemas.microsoft.com/office/drawing/2010/main" val="0"/>
+              </a:ext>
+            </a:extLst>
+          </a:blip>
+          <a:stretch>
+            <a:fillRect/>
+          </a:stretch>
+        </p:blipFill>
+        <p:spPr>
+          <a:xfrm>
+            <a:off x="5213303" y="4684035"/>
+            <a:ext cx="3218748" cy="1604729"/>
+          </a:xfrm>
+          <a:prstGeom prst="rect">
+            <a:avLst/>
+          </a:prstGeom>
+        </p:spPr>
+      </p:pic>
+      <p:sp>
+        <p:nvSpPr>
+          <p:cNvPr id="13" name="テキスト ボックス 12"/>
+          <p:cNvSpPr txBox="1"/>
+          <p:nvPr/>
+        </p:nvSpPr>
+        <p:spPr>
+          <a:xfrm>
+            <a:off x="5356577" y="4403274"/>
+            <a:ext cx="2055905" cy="276999"/>
+          </a:xfrm>
+          <a:prstGeom prst="rect">
+            <a:avLst/>
+          </a:prstGeom>
+          <a:noFill/>
+        </p:spPr>
+        <p:txBody>
+          <a:bodyPr wrap="square" rtlCol="0">
+            <a:spAutoFit/>
+          </a:bodyPr>
+          <a:lstStyle/>
+          <a:p>
+            <a:r>
+              <a:rPr lang="ja-JP" altLang="en-US" sz="1200" b="1" dirty="0"/>
+              <a:t> </a:t>
+            </a:r>
+            <a:r>
+              <a:rPr lang="en-US" altLang="ja-JP" sz="1200" b="1" dirty="0" smtClean="0"/>
+              <a:t>Symphony</a:t>
+            </a:r>
+            <a:r>
+              <a:rPr lang="ja-JP" altLang="en-US" sz="1200" b="1" dirty="0" smtClean="0"/>
+              <a:t>作業</a:t>
+            </a:r>
+            <a:r>
+              <a:rPr lang="ja-JP" altLang="en-US" sz="1200" b="1" dirty="0"/>
+              <a:t>確認</a:t>
+            </a:r>
+            <a:r>
+              <a:rPr kumimoji="1" lang="ja-JP" altLang="en-US" sz="1200" b="1" dirty="0" smtClean="0"/>
+              <a:t>画面</a:t>
+            </a:r>
+            <a:endParaRPr kumimoji="1" lang="ja-JP" altLang="en-US" sz="1200" b="1" dirty="0"/>
+          </a:p>
+        </p:txBody>
+      </p:sp>
+      <p:pic>
+        <p:nvPicPr>
+          <p:cNvPr id="12" name="図 11"/>
+          <p:cNvPicPr>
+            <a:picLocks noChangeAspect="1"/>
+          </p:cNvPicPr>
+          <p:nvPr/>
+        </p:nvPicPr>
+        <p:blipFill>
+          <a:blip r:embed="rId5">
+            <a:extLst>
+              <a:ext uri="{28A0092B-C50C-407E-A947-70E740481C1C}">
+                <a14:useLocalDpi xmlns:a14="http://schemas.microsoft.com/office/drawing/2010/main" val="0"/>
+              </a:ext>
+            </a:extLst>
+          </a:blip>
+          <a:stretch>
+            <a:fillRect/>
+          </a:stretch>
+        </p:blipFill>
+        <p:spPr>
+          <a:xfrm>
+            <a:off x="933201" y="2736908"/>
+            <a:ext cx="4240223" cy="2200069"/>
+          </a:xfrm>
+          <a:prstGeom prst="rect">
+            <a:avLst/>
+          </a:prstGeom>
+        </p:spPr>
+      </p:pic>
+      <p:sp>
+        <p:nvSpPr>
+          <p:cNvPr id="5" name="角丸四角形 4"/>
+          <p:cNvSpPr/>
+          <p:nvPr/>
+        </p:nvSpPr>
+        <p:spPr bwMode="auto">
+          <a:xfrm>
+            <a:off x="924233" y="4664609"/>
+            <a:ext cx="631517" cy="148691"/>
+          </a:xfrm>
+          <a:prstGeom prst="roundRect">
+            <a:avLst>
+              <a:gd name="adj" fmla="val 5764"/>
+            </a:avLst>
+          </a:prstGeom>
+          <a:noFill/>
+          <a:ln w="28575">
+            <a:solidFill>
+              <a:srgbClr val="FF0000"/>
+            </a:solidFill>
+          </a:ln>
+          <a:effectLst/>
+          <a:extLst/>
+        </p:spPr>
+        <p:txBody>
+          <a:bodyPr rot="0" spcFirstLastPara="0" vertOverflow="overflow" horzOverflow="overflow" vert="horz" wrap="none" lIns="72000" tIns="72000" rIns="72000" bIns="72000" numCol="1" spcCol="0" rtlCol="0" fromWordArt="0" anchor="ctr" anchorCtr="0" forceAA="0" compatLnSpc="1">
+            <a:prstTxWarp prst="textNoShape">
+              <a:avLst/>
+            </a:prstTxWarp>
+            <a:noAutofit/>
+          </a:bodyPr>
+          <a:lstStyle/>
+          <a:p>
+            <a:pPr algn="ctr"/>
+            <a:endParaRPr kumimoji="1" lang="ja-JP" altLang="en-US" sz="1400" b="1" dirty="0" smtClean="0">
+              <a:solidFill>
+                <a:srgbClr val="FF0000"/>
+              </a:solidFill>
+              <a:latin typeface="+mn-ea"/>
+            </a:endParaRPr>
+          </a:p>
+        </p:txBody>
+      </p:sp>
+      <p:sp>
+        <p:nvSpPr>
+          <p:cNvPr id="17" name="角丸四角形 16"/>
+          <p:cNvSpPr/>
+          <p:nvPr/>
+        </p:nvSpPr>
+        <p:spPr bwMode="auto">
+          <a:xfrm>
+            <a:off x="2428418" y="2757237"/>
+            <a:ext cx="3228759" cy="488917"/>
+          </a:xfrm>
+          <a:prstGeom prst="roundRect">
+            <a:avLst/>
+          </a:prstGeom>
+          <a:solidFill>
+            <a:schemeClr val="bg2"/>
+          </a:solidFill>
+          <a:ln w="19050">
+            <a:solidFill>
+              <a:srgbClr val="FF0000"/>
+            </a:solidFill>
+          </a:ln>
+          <a:effectLst/>
+          <a:extLst/>
+        </p:spPr>
+        <p:txBody>
+          <a:bodyPr rot="0" spcFirstLastPara="0" vertOverflow="overflow" horzOverflow="overflow" vert="horz" wrap="none" lIns="72000" tIns="72000" rIns="72000" bIns="72000" numCol="1" spcCol="0" rtlCol="0" fromWordArt="0" anchor="t" anchorCtr="0" forceAA="0" compatLnSpc="1">
+            <a:prstTxWarp prst="textNoShape">
+              <a:avLst/>
+            </a:prstTxWarp>
+            <a:noAutofit/>
+          </a:bodyPr>
+          <a:lstStyle/>
+          <a:p>
+            <a:r>
+              <a:rPr lang="ja-JP" altLang="en-US" sz="1100" b="1" dirty="0" smtClean="0">
+                <a:solidFill>
+                  <a:srgbClr val="FF0000"/>
+                </a:solidFill>
+                <a:latin typeface="+mn-ea"/>
+              </a:rPr>
+              <a:t>過去</a:t>
+            </a:r>
+            <a:r>
+              <a:rPr lang="ja-JP" altLang="en-US" sz="1100" b="1" dirty="0">
+                <a:solidFill>
+                  <a:srgbClr val="FF0000"/>
+                </a:solidFill>
+                <a:latin typeface="+mn-ea"/>
+              </a:rPr>
+              <a:t>の</a:t>
+            </a:r>
+            <a:r>
+              <a:rPr lang="en-US" altLang="ja-JP" sz="1100" b="1" dirty="0" smtClean="0">
+                <a:solidFill>
+                  <a:srgbClr val="FF0000"/>
+                </a:solidFill>
+                <a:latin typeface="+mn-ea"/>
+              </a:rPr>
+              <a:t>Symphony</a:t>
+            </a:r>
+            <a:r>
+              <a:rPr lang="ja-JP" altLang="en-US" sz="1100" b="1" dirty="0">
+                <a:solidFill>
+                  <a:srgbClr val="FF0000"/>
+                </a:solidFill>
+                <a:latin typeface="+mn-ea"/>
+              </a:rPr>
+              <a:t>実行結果の</a:t>
+            </a:r>
+            <a:r>
+              <a:rPr lang="ja-JP" altLang="en-US" sz="1100" b="1" dirty="0" smtClean="0">
+                <a:solidFill>
+                  <a:srgbClr val="FF0000"/>
+                </a:solidFill>
+                <a:latin typeface="+mn-ea"/>
+              </a:rPr>
+              <a:t>ステータス割合</a:t>
+            </a:r>
+            <a:r>
+              <a:rPr lang="ja-JP" altLang="en-US" sz="1100" b="1" dirty="0">
+                <a:solidFill>
+                  <a:srgbClr val="FF0000"/>
+                </a:solidFill>
+                <a:latin typeface="+mn-ea"/>
+              </a:rPr>
+              <a:t>が</a:t>
+            </a:r>
+          </a:p>
+          <a:p>
+            <a:r>
+              <a:rPr lang="ja-JP" altLang="en-US" sz="1100" b="1" dirty="0" smtClean="0">
+                <a:solidFill>
+                  <a:srgbClr val="FF0000"/>
+                </a:solidFill>
+                <a:latin typeface="+mn-ea"/>
+              </a:rPr>
+              <a:t>グラフ</a:t>
+            </a:r>
+            <a:r>
+              <a:rPr lang="ja-JP" altLang="en-US" sz="1100" b="1" dirty="0">
+                <a:solidFill>
+                  <a:srgbClr val="FF0000"/>
+                </a:solidFill>
+                <a:latin typeface="+mn-ea"/>
+              </a:rPr>
+              <a:t>で</a:t>
+            </a:r>
+            <a:r>
+              <a:rPr lang="ja-JP" altLang="en-US" sz="1100" b="1" dirty="0" smtClean="0">
+                <a:solidFill>
+                  <a:srgbClr val="FF0000"/>
+                </a:solidFill>
+                <a:latin typeface="+mn-ea"/>
+              </a:rPr>
+              <a:t>表示</a:t>
+            </a:r>
+            <a:r>
+              <a:rPr lang="ja-JP" altLang="en-US" sz="1100" b="1" dirty="0">
+                <a:solidFill>
+                  <a:srgbClr val="FF0000"/>
+                </a:solidFill>
+                <a:latin typeface="+mn-ea"/>
+              </a:rPr>
+              <a:t>されます</a:t>
+            </a:r>
+            <a:endParaRPr lang="en-US" altLang="ja-JP" sz="1100" b="1" dirty="0">
+              <a:latin typeface="+mn-ea"/>
+            </a:endParaRPr>
           </a:p>
         </p:txBody>
       </p:sp>
@@ -44338,36 +44602,6 @@
           </p:txBody>
         </p:sp>
       </p:grpSp>
-      <p:pic>
-        <p:nvPicPr>
-          <p:cNvPr id="3" name="図 2"/>
-          <p:cNvPicPr>
-            <a:picLocks noChangeAspect="1"/>
-          </p:cNvPicPr>
-          <p:nvPr/>
-        </p:nvPicPr>
-        <p:blipFill>
-          <a:blip r:embed="rId4">
-            <a:extLst>
-              <a:ext uri="{28A0092B-C50C-407E-A947-70E740481C1C}">
-                <a14:useLocalDpi xmlns:a14="http://schemas.microsoft.com/office/drawing/2010/main" val="0"/>
-              </a:ext>
-            </a:extLst>
-          </a:blip>
-          <a:stretch>
-            <a:fillRect/>
-          </a:stretch>
-        </p:blipFill>
-        <p:spPr>
-          <a:xfrm>
-            <a:off x="5213303" y="4684035"/>
-            <a:ext cx="3218748" cy="1604729"/>
-          </a:xfrm>
-          <a:prstGeom prst="rect">
-            <a:avLst/>
-          </a:prstGeom>
-        </p:spPr>
-      </p:pic>
       <p:sp>
         <p:nvSpPr>
           <p:cNvPr id="11" name="角丸四角形 10"/>
@@ -44407,258 +44641,6 @@
               <a:solidFill>
                 <a:srgbClr val="FF0000"/>
               </a:solidFill>
-              <a:latin typeface="+mn-ea"/>
-            </a:endParaRPr>
-          </a:p>
-        </p:txBody>
-      </p:sp>
-      <p:sp>
-        <p:nvSpPr>
-          <p:cNvPr id="13" name="テキスト ボックス 12"/>
-          <p:cNvSpPr txBox="1"/>
-          <p:nvPr/>
-        </p:nvSpPr>
-        <p:spPr>
-          <a:xfrm>
-            <a:off x="5356577" y="4403274"/>
-            <a:ext cx="2055905" cy="276999"/>
-          </a:xfrm>
-          <a:prstGeom prst="rect">
-            <a:avLst/>
-          </a:prstGeom>
-          <a:noFill/>
-        </p:spPr>
-        <p:txBody>
-          <a:bodyPr wrap="square" rtlCol="0">
-            <a:spAutoFit/>
-          </a:bodyPr>
-          <a:lstStyle/>
-          <a:p>
-            <a:r>
-              <a:rPr lang="ja-JP" altLang="en-US" sz="1200" b="1" dirty="0"/>
-              <a:t> </a:t>
-            </a:r>
-            <a:r>
-              <a:rPr lang="en-US" altLang="ja-JP" sz="1200" b="1" dirty="0" smtClean="0"/>
-              <a:t>Symphony</a:t>
-            </a:r>
-            <a:r>
-              <a:rPr lang="ja-JP" altLang="en-US" sz="1200" b="1" dirty="0" smtClean="0"/>
-              <a:t>作業</a:t>
-            </a:r>
-            <a:r>
-              <a:rPr lang="ja-JP" altLang="en-US" sz="1200" b="1" dirty="0"/>
-              <a:t>確認</a:t>
-            </a:r>
-            <a:r>
-              <a:rPr kumimoji="1" lang="ja-JP" altLang="en-US" sz="1200" b="1" dirty="0" smtClean="0"/>
-              <a:t>画面</a:t>
-            </a:r>
-            <a:endParaRPr kumimoji="1" lang="ja-JP" altLang="en-US" sz="1200" b="1" dirty="0"/>
-          </a:p>
-        </p:txBody>
-      </p:sp>
-      <p:pic>
-        <p:nvPicPr>
-          <p:cNvPr id="12" name="図 11"/>
-          <p:cNvPicPr>
-            <a:picLocks noChangeAspect="1"/>
-          </p:cNvPicPr>
-          <p:nvPr/>
-        </p:nvPicPr>
-        <p:blipFill>
-          <a:blip r:embed="rId5">
-            <a:extLst>
-              <a:ext uri="{28A0092B-C50C-407E-A947-70E740481C1C}">
-                <a14:useLocalDpi xmlns:a14="http://schemas.microsoft.com/office/drawing/2010/main" val="0"/>
-              </a:ext>
-            </a:extLst>
-          </a:blip>
-          <a:stretch>
-            <a:fillRect/>
-          </a:stretch>
-        </p:blipFill>
-        <p:spPr>
-          <a:xfrm>
-            <a:off x="933201" y="2736908"/>
-            <a:ext cx="4240223" cy="2200069"/>
-          </a:xfrm>
-          <a:prstGeom prst="rect">
-            <a:avLst/>
-          </a:prstGeom>
-        </p:spPr>
-      </p:pic>
-      <p:sp>
-        <p:nvSpPr>
-          <p:cNvPr id="5" name="角丸四角形 4"/>
-          <p:cNvSpPr/>
-          <p:nvPr/>
-        </p:nvSpPr>
-        <p:spPr bwMode="auto">
-          <a:xfrm>
-            <a:off x="924233" y="4664609"/>
-            <a:ext cx="631517" cy="148691"/>
-          </a:xfrm>
-          <a:prstGeom prst="roundRect">
-            <a:avLst>
-              <a:gd name="adj" fmla="val 5764"/>
-            </a:avLst>
-          </a:prstGeom>
-          <a:noFill/>
-          <a:ln w="28575">
-            <a:solidFill>
-              <a:srgbClr val="FF0000"/>
-            </a:solidFill>
-          </a:ln>
-          <a:effectLst/>
-          <a:extLst/>
-        </p:spPr>
-        <p:txBody>
-          <a:bodyPr rot="0" spcFirstLastPara="0" vertOverflow="overflow" horzOverflow="overflow" vert="horz" wrap="none" lIns="72000" tIns="72000" rIns="72000" bIns="72000" numCol="1" spcCol="0" rtlCol="0" fromWordArt="0" anchor="ctr" anchorCtr="0" forceAA="0" compatLnSpc="1">
-            <a:prstTxWarp prst="textNoShape">
-              <a:avLst/>
-            </a:prstTxWarp>
-            <a:noAutofit/>
-          </a:bodyPr>
-          <a:lstStyle/>
-          <a:p>
-            <a:pPr algn="ctr"/>
-            <a:endParaRPr kumimoji="1" lang="ja-JP" altLang="en-US" sz="1400" b="1" dirty="0" smtClean="0">
-              <a:solidFill>
-                <a:srgbClr val="FF0000"/>
-              </a:solidFill>
-              <a:latin typeface="+mn-ea"/>
-            </a:endParaRPr>
-          </a:p>
-        </p:txBody>
-      </p:sp>
-      <p:sp>
-        <p:nvSpPr>
-          <p:cNvPr id="17" name="角丸四角形 16"/>
-          <p:cNvSpPr/>
-          <p:nvPr/>
-        </p:nvSpPr>
-        <p:spPr bwMode="auto">
-          <a:xfrm>
-            <a:off x="2428418" y="2757237"/>
-            <a:ext cx="3228759" cy="488917"/>
-          </a:xfrm>
-          <a:prstGeom prst="roundRect">
-            <a:avLst/>
-          </a:prstGeom>
-          <a:solidFill>
-            <a:schemeClr val="bg2"/>
-          </a:solidFill>
-          <a:ln w="19050">
-            <a:solidFill>
-              <a:srgbClr val="FF0000"/>
-            </a:solidFill>
-          </a:ln>
-          <a:effectLst/>
-          <a:extLst/>
-        </p:spPr>
-        <p:txBody>
-          <a:bodyPr rot="0" spcFirstLastPara="0" vertOverflow="overflow" horzOverflow="overflow" vert="horz" wrap="none" lIns="72000" tIns="72000" rIns="72000" bIns="72000" numCol="1" spcCol="0" rtlCol="0" fromWordArt="0" anchor="t" anchorCtr="0" forceAA="0" compatLnSpc="1">
-            <a:prstTxWarp prst="textNoShape">
-              <a:avLst/>
-            </a:prstTxWarp>
-            <a:noAutofit/>
-          </a:bodyPr>
-          <a:lstStyle/>
-          <a:p>
-            <a:r>
-              <a:rPr lang="ja-JP" altLang="en-US" sz="1100" b="1" dirty="0" smtClean="0">
-                <a:solidFill>
-                  <a:srgbClr val="FF0000"/>
-                </a:solidFill>
-                <a:latin typeface="+mn-ea"/>
-              </a:rPr>
-              <a:t>過去</a:t>
-            </a:r>
-            <a:r>
-              <a:rPr lang="ja-JP" altLang="en-US" sz="1100" b="1" dirty="0">
-                <a:solidFill>
-                  <a:srgbClr val="FF0000"/>
-                </a:solidFill>
-                <a:latin typeface="+mn-ea"/>
-              </a:rPr>
-              <a:t>の</a:t>
-            </a:r>
-            <a:r>
-              <a:rPr lang="en-US" altLang="ja-JP" sz="1100" b="1" dirty="0" smtClean="0">
-                <a:solidFill>
-                  <a:srgbClr val="FF0000"/>
-                </a:solidFill>
-                <a:latin typeface="+mn-ea"/>
-              </a:rPr>
-              <a:t>Symphony</a:t>
-            </a:r>
-            <a:r>
-              <a:rPr lang="ja-JP" altLang="en-US" sz="1100" b="1" dirty="0">
-                <a:solidFill>
-                  <a:srgbClr val="FF0000"/>
-                </a:solidFill>
-                <a:latin typeface="+mn-ea"/>
-              </a:rPr>
-              <a:t>実行結果の</a:t>
-            </a:r>
-            <a:r>
-              <a:rPr lang="ja-JP" altLang="en-US" sz="1100" b="1" dirty="0" smtClean="0">
-                <a:solidFill>
-                  <a:srgbClr val="FF0000"/>
-                </a:solidFill>
-                <a:latin typeface="+mn-ea"/>
-              </a:rPr>
-              <a:t>ステータス割合</a:t>
-            </a:r>
-            <a:r>
-              <a:rPr lang="ja-JP" altLang="en-US" sz="1100" b="1" dirty="0">
-                <a:solidFill>
-                  <a:srgbClr val="FF0000"/>
-                </a:solidFill>
-                <a:latin typeface="+mn-ea"/>
-              </a:rPr>
-              <a:t>が</a:t>
-            </a:r>
-          </a:p>
-          <a:p>
-            <a:r>
-              <a:rPr lang="ja-JP" altLang="en-US" sz="1100" b="1" dirty="0" smtClean="0">
-                <a:solidFill>
-                  <a:srgbClr val="FF0000"/>
-                </a:solidFill>
-                <a:latin typeface="+mn-ea"/>
-              </a:rPr>
-              <a:t>グラフ</a:t>
-            </a:r>
-            <a:r>
-              <a:rPr lang="ja-JP" altLang="en-US" sz="1100" b="1" dirty="0">
-                <a:solidFill>
-                  <a:srgbClr val="FF0000"/>
-                </a:solidFill>
-                <a:latin typeface="+mn-ea"/>
-              </a:rPr>
-              <a:t>で</a:t>
-            </a:r>
-            <a:r>
-              <a:rPr lang="ja-JP" altLang="en-US" sz="1100" b="1" dirty="0" smtClean="0">
-                <a:solidFill>
-                  <a:srgbClr val="FF0000"/>
-                </a:solidFill>
-                <a:latin typeface="+mn-ea"/>
-              </a:rPr>
-              <a:t>表示</a:t>
-            </a:r>
-            <a:r>
-              <a:rPr lang="ja-JP" altLang="en-US" sz="1100" b="1" dirty="0">
-                <a:solidFill>
-                  <a:srgbClr val="FF0000"/>
-                </a:solidFill>
-                <a:latin typeface="+mn-ea"/>
-              </a:rPr>
-              <a:t>されます</a:t>
-            </a:r>
-            <a:endParaRPr lang="en-US" altLang="ja-JP" sz="1100" b="1" dirty="0">
               <a:latin typeface="+mn-ea"/>
             </a:endParaRPr>
           </a:p>
